--- a/pushr.pptx
+++ b/pushr.pptx
@@ -10,8 +10,9 @@
     <p:sldId id="258" r:id="rId4"/>
     <p:sldId id="257" r:id="rId5"/>
     <p:sldId id="259" r:id="rId6"/>
-    <p:sldId id="261" r:id="rId7"/>
-    <p:sldId id="260" r:id="rId8"/>
+    <p:sldId id="263" r:id="rId7"/>
+    <p:sldId id="261" r:id="rId8"/>
+    <p:sldId id="260" r:id="rId9"/>
   </p:sldIdLst>
   <p:sldSz cx="12192000" cy="6858000"/>
   <p:notesSz cx="6889750" cy="10021888"/>
@@ -276,7 +277,7 @@
           <a:p>
             <a:fld id="{3A6BFEE1-2732-4D7D-B048-8AD3278F37AD}" type="datetimeFigureOut">
               <a:rPr lang="de-DE" smtClean="0"/>
-              <a:t>01.07.2021</a:t>
+              <a:t>17.07.2021</a:t>
             </a:fld>
             <a:endParaRPr lang="de-DE"/>
           </a:p>
@@ -474,7 +475,7 @@
           <a:p>
             <a:fld id="{3A6BFEE1-2732-4D7D-B048-8AD3278F37AD}" type="datetimeFigureOut">
               <a:rPr lang="de-DE" smtClean="0"/>
-              <a:t>01.07.2021</a:t>
+              <a:t>17.07.2021</a:t>
             </a:fld>
             <a:endParaRPr lang="de-DE"/>
           </a:p>
@@ -682,7 +683,7 @@
           <a:p>
             <a:fld id="{3A6BFEE1-2732-4D7D-B048-8AD3278F37AD}" type="datetimeFigureOut">
               <a:rPr lang="de-DE" smtClean="0"/>
-              <a:t>01.07.2021</a:t>
+              <a:t>17.07.2021</a:t>
             </a:fld>
             <a:endParaRPr lang="de-DE"/>
           </a:p>
@@ -880,7 +881,7 @@
           <a:p>
             <a:fld id="{3A6BFEE1-2732-4D7D-B048-8AD3278F37AD}" type="datetimeFigureOut">
               <a:rPr lang="de-DE" smtClean="0"/>
-              <a:t>01.07.2021</a:t>
+              <a:t>17.07.2021</a:t>
             </a:fld>
             <a:endParaRPr lang="de-DE"/>
           </a:p>
@@ -1155,7 +1156,7 @@
           <a:p>
             <a:fld id="{3A6BFEE1-2732-4D7D-B048-8AD3278F37AD}" type="datetimeFigureOut">
               <a:rPr lang="de-DE" smtClean="0"/>
-              <a:t>01.07.2021</a:t>
+              <a:t>17.07.2021</a:t>
             </a:fld>
             <a:endParaRPr lang="de-DE"/>
           </a:p>
@@ -1420,7 +1421,7 @@
           <a:p>
             <a:fld id="{3A6BFEE1-2732-4D7D-B048-8AD3278F37AD}" type="datetimeFigureOut">
               <a:rPr lang="de-DE" smtClean="0"/>
-              <a:t>01.07.2021</a:t>
+              <a:t>17.07.2021</a:t>
             </a:fld>
             <a:endParaRPr lang="de-DE"/>
           </a:p>
@@ -1832,7 +1833,7 @@
           <a:p>
             <a:fld id="{3A6BFEE1-2732-4D7D-B048-8AD3278F37AD}" type="datetimeFigureOut">
               <a:rPr lang="de-DE" smtClean="0"/>
-              <a:t>01.07.2021</a:t>
+              <a:t>17.07.2021</a:t>
             </a:fld>
             <a:endParaRPr lang="de-DE"/>
           </a:p>
@@ -1973,7 +1974,7 @@
           <a:p>
             <a:fld id="{3A6BFEE1-2732-4D7D-B048-8AD3278F37AD}" type="datetimeFigureOut">
               <a:rPr lang="de-DE" smtClean="0"/>
-              <a:t>01.07.2021</a:t>
+              <a:t>17.07.2021</a:t>
             </a:fld>
             <a:endParaRPr lang="de-DE"/>
           </a:p>
@@ -2086,7 +2087,7 @@
           <a:p>
             <a:fld id="{3A6BFEE1-2732-4D7D-B048-8AD3278F37AD}" type="datetimeFigureOut">
               <a:rPr lang="de-DE" smtClean="0"/>
-              <a:t>01.07.2021</a:t>
+              <a:t>17.07.2021</a:t>
             </a:fld>
             <a:endParaRPr lang="de-DE"/>
           </a:p>
@@ -2397,7 +2398,7 @@
           <a:p>
             <a:fld id="{3A6BFEE1-2732-4D7D-B048-8AD3278F37AD}" type="datetimeFigureOut">
               <a:rPr lang="de-DE" smtClean="0"/>
-              <a:t>01.07.2021</a:t>
+              <a:t>17.07.2021</a:t>
             </a:fld>
             <a:endParaRPr lang="de-DE"/>
           </a:p>
@@ -2685,7 +2686,7 @@
           <a:p>
             <a:fld id="{3A6BFEE1-2732-4D7D-B048-8AD3278F37AD}" type="datetimeFigureOut">
               <a:rPr lang="de-DE" smtClean="0"/>
-              <a:t>01.07.2021</a:t>
+              <a:t>17.07.2021</a:t>
             </a:fld>
             <a:endParaRPr lang="de-DE"/>
           </a:p>
@@ -2926,7 +2927,7 @@
           <a:p>
             <a:fld id="{3A6BFEE1-2732-4D7D-B048-8AD3278F37AD}" type="datetimeFigureOut">
               <a:rPr lang="de-DE" smtClean="0"/>
-              <a:t>01.07.2021</a:t>
+              <a:t>17.07.2021</a:t>
             </a:fld>
             <a:endParaRPr lang="de-DE"/>
           </a:p>
@@ -17667,8 +17668,8 @@
         </p:nvSpPr>
         <p:spPr>
           <a:xfrm>
-            <a:off x="413358" y="2104562"/>
-            <a:ext cx="2051139" cy="2036292"/>
+            <a:off x="4044861" y="2419727"/>
+            <a:ext cx="2051139" cy="1952695"/>
           </a:xfrm>
           <a:prstGeom prst="rect">
             <a:avLst/>
@@ -18033,7 +18034,400 @@
         </p:nvSpPr>
         <p:spPr>
           <a:xfrm>
-            <a:off x="413358" y="331881"/>
+            <a:off x="4044861" y="4863774"/>
+            <a:ext cx="2051139" cy="1403991"/>
+          </a:xfrm>
+          <a:prstGeom prst="rect">
+            <a:avLst/>
+          </a:prstGeom>
+          <a:solidFill>
+            <a:schemeClr val="bg1"/>
+          </a:solidFill>
+          <a:ln>
+            <a:solidFill>
+              <a:schemeClr val="tx1">
+                <a:lumMod val="75000"/>
+                <a:lumOff val="25000"/>
+              </a:schemeClr>
+            </a:solidFill>
+          </a:ln>
+          <a:effectLst>
+            <a:outerShdw blurRad="50800" dist="38100" dir="2700000" algn="tl" rotWithShape="0">
+              <a:prstClr val="black">
+                <a:alpha val="40000"/>
+              </a:prstClr>
+            </a:outerShdw>
+          </a:effectLst>
+        </p:spPr>
+        <p:style>
+          <a:lnRef idx="2">
+            <a:schemeClr val="accent1">
+              <a:shade val="50000"/>
+            </a:schemeClr>
+          </a:lnRef>
+          <a:fillRef idx="1">
+            <a:schemeClr val="accent1"/>
+          </a:fillRef>
+          <a:effectRef idx="0">
+            <a:schemeClr val="accent1"/>
+          </a:effectRef>
+          <a:fontRef idx="minor">
+            <a:schemeClr val="lt1"/>
+          </a:fontRef>
+        </p:style>
+        <p:txBody>
+          <a:bodyPr rtlCol="0" anchor="ctr"/>
+          <a:lstStyle/>
+          <a:p>
+            <a:pPr algn="ctr"/>
+            <a:r>
+              <a:rPr lang="en-GB" sz="1600" b="1" dirty="0">
+                <a:solidFill>
+                  <a:srgbClr val="FF7961"/>
+                </a:solidFill>
+              </a:rPr>
+              <a:t>ACCESS_TOKEN</a:t>
+            </a:r>
+          </a:p>
+          <a:p>
+            <a:br>
+              <a:rPr lang="en-GB" sz="600" dirty="0">
+                <a:solidFill>
+                  <a:srgbClr val="FF7961"/>
+                </a:solidFill>
+              </a:rPr>
+            </a:br>
+            <a:r>
+              <a:rPr lang="en-GB" sz="1200" dirty="0">
+                <a:solidFill>
+                  <a:srgbClr val="00B0F0"/>
+                </a:solidFill>
+                <a:latin typeface="Calibri" panose="020F0502020204030204"/>
+              </a:rPr>
+              <a:t>ACCESS_TOKEN_ID</a:t>
+            </a:r>
+            <a:r>
+              <a:rPr kumimoji="0" lang="en-GB" sz="1200" b="0" i="0" u="none" strike="noStrike" kern="1200" cap="none" spc="0" normalizeH="0" baseline="0" noProof="0" dirty="0">
+                <a:ln>
+                  <a:noFill/>
+                </a:ln>
+                <a:solidFill>
+                  <a:srgbClr val="263238"/>
+                </a:solidFill>
+                <a:effectLst/>
+                <a:uLnTx/>
+                <a:uFillTx/>
+                <a:latin typeface="Calibri" panose="020F0502020204030204"/>
+                <a:ea typeface="+mn-ea"/>
+                <a:cs typeface="+mn-cs"/>
+              </a:rPr>
+              <a:t> </a:t>
+            </a:r>
+            <a:r>
+              <a:rPr kumimoji="0" lang="en-GB" sz="700" b="0" i="0" u="none" strike="noStrike" kern="1200" cap="none" spc="0" normalizeH="0" baseline="0" noProof="0" dirty="0" err="1">
+                <a:ln>
+                  <a:noFill/>
+                </a:ln>
+                <a:solidFill>
+                  <a:prstClr val="white">
+                    <a:lumMod val="65000"/>
+                  </a:prstClr>
+                </a:solidFill>
+                <a:effectLst/>
+                <a:uLnTx/>
+                <a:uFillTx/>
+                <a:latin typeface="Calibri" panose="020F0502020204030204"/>
+                <a:ea typeface="+mn-ea"/>
+                <a:cs typeface="+mn-cs"/>
+              </a:rPr>
+              <a:t>bigint</a:t>
+            </a:r>
+            <a:br>
+              <a:rPr lang="en-GB" sz="1200" dirty="0">
+                <a:solidFill>
+                  <a:srgbClr val="263238"/>
+                </a:solidFill>
+              </a:rPr>
+            </a:br>
+            <a:r>
+              <a:rPr lang="en-GB" sz="1200" dirty="0">
+                <a:solidFill>
+                  <a:srgbClr val="263238"/>
+                </a:solidFill>
+              </a:rPr>
+              <a:t>CREATED </a:t>
+            </a:r>
+            <a:r>
+              <a:rPr kumimoji="0" lang="en-GB" sz="700" b="0" i="0" u="none" strike="noStrike" kern="1200" cap="none" spc="0" normalizeH="0" baseline="0" noProof="0" dirty="0" err="1">
+                <a:ln>
+                  <a:noFill/>
+                </a:ln>
+                <a:solidFill>
+                  <a:prstClr val="white">
+                    <a:lumMod val="65000"/>
+                  </a:prstClr>
+                </a:solidFill>
+                <a:effectLst/>
+                <a:uLnTx/>
+                <a:uFillTx/>
+                <a:latin typeface="Calibri" panose="020F0502020204030204"/>
+                <a:ea typeface="+mn-ea"/>
+                <a:cs typeface="+mn-cs"/>
+              </a:rPr>
+              <a:t>bigint</a:t>
+            </a:r>
+            <a:endParaRPr lang="en-GB" sz="1200" dirty="0">
+              <a:solidFill>
+                <a:srgbClr val="263238"/>
+              </a:solidFill>
+            </a:endParaRPr>
+          </a:p>
+          <a:p>
+            <a:pPr marL="0" marR="0" lvl="0" indent="0" algn="l" defTabSz="914400" rtl="0" eaLnBrk="1" fontAlgn="auto" latinLnBrk="0" hangingPunct="1">
+              <a:lnSpc>
+                <a:spcPct val="100000"/>
+              </a:lnSpc>
+              <a:spcBef>
+                <a:spcPts val="0"/>
+              </a:spcBef>
+              <a:spcAft>
+                <a:spcPts val="0"/>
+              </a:spcAft>
+              <a:buClrTx/>
+              <a:buSzTx/>
+              <a:buFontTx/>
+              <a:buNone/>
+              <a:tabLst/>
+              <a:defRPr/>
+            </a:pPr>
+            <a:r>
+              <a:rPr lang="en-GB" sz="1200" dirty="0">
+                <a:solidFill>
+                  <a:srgbClr val="263238"/>
+                </a:solidFill>
+              </a:rPr>
+              <a:t>EXPIRES </a:t>
+            </a:r>
+            <a:r>
+              <a:rPr kumimoji="0" lang="en-GB" sz="700" b="0" i="0" u="none" strike="noStrike" kern="1200" cap="none" spc="0" normalizeH="0" baseline="0" noProof="0" dirty="0" err="1">
+                <a:ln>
+                  <a:noFill/>
+                </a:ln>
+                <a:solidFill>
+                  <a:prstClr val="white">
+                    <a:lumMod val="65000"/>
+                  </a:prstClr>
+                </a:solidFill>
+                <a:effectLst/>
+                <a:uLnTx/>
+                <a:uFillTx/>
+                <a:latin typeface="Calibri" panose="020F0502020204030204"/>
+                <a:ea typeface="+mn-ea"/>
+                <a:cs typeface="+mn-cs"/>
+              </a:rPr>
+              <a:t>bigint</a:t>
+            </a:r>
+            <a:br>
+              <a:rPr kumimoji="0" lang="en-GB" sz="700" b="0" i="0" u="none" strike="noStrike" kern="1200" cap="none" spc="0" normalizeH="0" baseline="0" noProof="0" dirty="0">
+                <a:ln>
+                  <a:noFill/>
+                </a:ln>
+                <a:solidFill>
+                  <a:prstClr val="white">
+                    <a:lumMod val="65000"/>
+                  </a:prstClr>
+                </a:solidFill>
+                <a:effectLst/>
+                <a:uLnTx/>
+                <a:uFillTx/>
+                <a:latin typeface="Calibri" panose="020F0502020204030204"/>
+                <a:ea typeface="+mn-ea"/>
+                <a:cs typeface="+mn-cs"/>
+              </a:rPr>
+            </a:br>
+            <a:r>
+              <a:rPr lang="en-GB" sz="1200" dirty="0">
+                <a:solidFill>
+                  <a:srgbClr val="263238"/>
+                </a:solidFill>
+              </a:rPr>
+              <a:t>TOKEN </a:t>
+            </a:r>
+            <a:r>
+              <a:rPr lang="en-GB" sz="700" dirty="0">
+                <a:solidFill>
+                  <a:schemeClr val="bg1">
+                    <a:lumMod val="65000"/>
+                  </a:schemeClr>
+                </a:solidFill>
+              </a:rPr>
+              <a:t>varchar</a:t>
+            </a:r>
+            <a:br>
+              <a:rPr lang="en-GB" sz="700" dirty="0">
+                <a:solidFill>
+                  <a:schemeClr val="bg1">
+                    <a:lumMod val="65000"/>
+                  </a:schemeClr>
+                </a:solidFill>
+              </a:rPr>
+            </a:br>
+            <a:r>
+              <a:rPr kumimoji="0" lang="en-GB" sz="1200" b="0" i="0" u="none" strike="noStrike" kern="1200" cap="none" spc="0" normalizeH="0" baseline="0" noProof="0" dirty="0">
+                <a:ln>
+                  <a:noFill/>
+                </a:ln>
+                <a:solidFill>
+                  <a:srgbClr val="FFC000"/>
+                </a:solidFill>
+                <a:effectLst/>
+                <a:uLnTx/>
+                <a:uFillTx/>
+                <a:latin typeface="Calibri" panose="020F0502020204030204"/>
+                <a:ea typeface="+mn-ea"/>
+                <a:cs typeface="+mn-cs"/>
+              </a:rPr>
+              <a:t>USER_ID </a:t>
+            </a:r>
+            <a:r>
+              <a:rPr kumimoji="0" lang="en-GB" sz="700" b="0" i="0" u="none" strike="noStrike" kern="1200" cap="none" spc="0" normalizeH="0" baseline="0" noProof="0" dirty="0" err="1">
+                <a:ln>
+                  <a:noFill/>
+                </a:ln>
+                <a:solidFill>
+                  <a:prstClr val="white">
+                    <a:lumMod val="65000"/>
+                  </a:prstClr>
+                </a:solidFill>
+                <a:effectLst/>
+                <a:uLnTx/>
+                <a:uFillTx/>
+                <a:latin typeface="Calibri" panose="020F0502020204030204"/>
+                <a:ea typeface="+mn-ea"/>
+                <a:cs typeface="+mn-cs"/>
+              </a:rPr>
+              <a:t>bigint</a:t>
+            </a:r>
+            <a:endParaRPr kumimoji="0" lang="en-GB" sz="1200" b="0" i="0" u="none" strike="noStrike" kern="1200" cap="none" spc="0" normalizeH="0" baseline="0" noProof="0" dirty="0">
+              <a:ln>
+                <a:noFill/>
+              </a:ln>
+              <a:solidFill>
+                <a:srgbClr val="263238"/>
+              </a:solidFill>
+              <a:effectLst/>
+              <a:uLnTx/>
+              <a:uFillTx/>
+              <a:latin typeface="Calibri" panose="020F0502020204030204"/>
+              <a:ea typeface="+mn-ea"/>
+              <a:cs typeface="+mn-cs"/>
+            </a:endParaRPr>
+          </a:p>
+        </p:txBody>
+      </p:sp>
+      <p:sp>
+        <p:nvSpPr>
+          <p:cNvPr id="7" name="Textfeld 6">
+            <a:extLst>
+              <a:ext uri="{FF2B5EF4-FFF2-40B4-BE49-F238E27FC236}">
+                <a16:creationId xmlns:a16="http://schemas.microsoft.com/office/drawing/2014/main" id="{C3ECAD3A-E1DC-4BF3-8071-B61CF335AE22}"/>
+              </a:ext>
+            </a:extLst>
+          </p:cNvPr>
+          <p:cNvSpPr txBox="1"/>
+          <p:nvPr/>
+        </p:nvSpPr>
+        <p:spPr>
+          <a:xfrm>
+            <a:off x="2541740" y="6415993"/>
+            <a:ext cx="8029184" cy="369332"/>
+          </a:xfrm>
+          <a:prstGeom prst="rect">
+            <a:avLst/>
+          </a:prstGeom>
+          <a:noFill/>
+        </p:spPr>
+        <p:txBody>
+          <a:bodyPr wrap="square">
+            <a:spAutoFit/>
+          </a:bodyPr>
+          <a:lstStyle/>
+          <a:p>
+            <a:r>
+              <a:rPr lang="de-DE" dirty="0">
+                <a:solidFill>
+                  <a:srgbClr val="263238"/>
+                </a:solidFill>
+              </a:rPr>
+              <a:t>HEX(Random(8byte))HEX(</a:t>
+            </a:r>
+            <a:r>
+              <a:rPr lang="de-DE" dirty="0" err="1">
+                <a:solidFill>
+                  <a:srgbClr val="263238"/>
+                </a:solidFill>
+              </a:rPr>
+              <a:t>Long.MAX_VALUE</a:t>
+            </a:r>
+            <a:r>
+              <a:rPr lang="de-DE" dirty="0">
+                <a:solidFill>
+                  <a:srgbClr val="263238"/>
+                </a:solidFill>
+              </a:rPr>
+              <a:t> – </a:t>
+            </a:r>
+            <a:r>
+              <a:rPr lang="de-DE" dirty="0" err="1">
+                <a:solidFill>
+                  <a:srgbClr val="263238"/>
+                </a:solidFill>
+              </a:rPr>
+              <a:t>id</a:t>
+            </a:r>
+            <a:r>
+              <a:rPr lang="de-DE" dirty="0">
+                <a:solidFill>
+                  <a:srgbClr val="263238"/>
+                </a:solidFill>
+              </a:rPr>
+              <a:t>)HEX(</a:t>
+            </a:r>
+            <a:r>
+              <a:rPr lang="de-DE" dirty="0" err="1">
+                <a:solidFill>
+                  <a:srgbClr val="263238"/>
+                </a:solidFill>
+              </a:rPr>
+              <a:t>now</a:t>
+            </a:r>
+            <a:r>
+              <a:rPr lang="de-DE" dirty="0">
+                <a:solidFill>
+                  <a:srgbClr val="263238"/>
+                </a:solidFill>
+              </a:rPr>
+              <a:t> + TTL)</a:t>
+            </a:r>
+            <a:endParaRPr lang="de-DE" dirty="0"/>
+          </a:p>
+        </p:txBody>
+      </p:sp>
+      <p:sp>
+        <p:nvSpPr>
+          <p:cNvPr id="8" name="Rechteck 7">
+            <a:extLst>
+              <a:ext uri="{FF2B5EF4-FFF2-40B4-BE49-F238E27FC236}">
+                <a16:creationId xmlns:a16="http://schemas.microsoft.com/office/drawing/2014/main" id="{EC5695B1-F3F0-4198-8E52-8981DCFBF8AD}"/>
+              </a:ext>
+            </a:extLst>
+          </p:cNvPr>
+          <p:cNvSpPr/>
+          <p:nvPr/>
+        </p:nvSpPr>
+        <p:spPr>
+          <a:xfrm>
+            <a:off x="1182306" y="2629157"/>
             <a:ext cx="2051139" cy="1533835"/>
           </a:xfrm>
           <a:prstGeom prst="rect">
@@ -18085,7 +18479,7 @@
                   <a:srgbClr val="FF7961"/>
                 </a:solidFill>
               </a:rPr>
-              <a:t>ACCESS_TOKEN</a:t>
+              <a:t>DEVICE</a:t>
             </a:r>
           </a:p>
           <a:p>
@@ -18101,17 +18495,61 @@
                 <a:solidFill>
                   <a:srgbClr val="00B0F0"/>
                 </a:solidFill>
-                <a:latin typeface="Calibri" panose="020F0502020204030204"/>
               </a:rPr>
-              <a:t>ACCESS_TOKEN_ID</a:t>
-            </a:r>
-            <a:r>
-              <a:rPr kumimoji="0" lang="en-GB" sz="1200" b="0" i="0" u="none" strike="noStrike" kern="1200" cap="none" spc="0" normalizeH="0" baseline="0" noProof="0" dirty="0">
+              <a:t>DEVICE_ID</a:t>
+            </a:r>
+            <a:r>
+              <a:rPr lang="en-GB" sz="1200" dirty="0">
+                <a:solidFill>
+                  <a:srgbClr val="263238"/>
+                </a:solidFill>
+              </a:rPr>
+              <a:t> </a:t>
+            </a:r>
+            <a:r>
+              <a:rPr lang="en-GB" sz="700" dirty="0" err="1">
+                <a:solidFill>
+                  <a:schemeClr val="bg1">
+                    <a:lumMod val="65000"/>
+                  </a:schemeClr>
+                </a:solidFill>
+              </a:rPr>
+              <a:t>bigint</a:t>
+            </a:r>
+            <a:br>
+              <a:rPr lang="en-GB" sz="1200" dirty="0">
+                <a:solidFill>
+                  <a:srgbClr val="263238"/>
+                </a:solidFill>
+              </a:rPr>
+            </a:br>
+            <a:r>
+              <a:rPr lang="en-GB" sz="1200" dirty="0">
+                <a:solidFill>
+                  <a:schemeClr val="accent4">
+                    <a:lumMod val="75000"/>
+                  </a:schemeClr>
+                </a:solidFill>
+              </a:rPr>
+              <a:t>ENDPOINT</a:t>
+            </a:r>
+            <a:r>
+              <a:rPr lang="en-GB" sz="1200" dirty="0">
+                <a:solidFill>
+                  <a:srgbClr val="263238"/>
+                </a:solidFill>
+              </a:rPr>
+              <a:t> </a:t>
+            </a:r>
+            <a:r>
+              <a:rPr kumimoji="0" lang="en-GB" sz="700" b="0" i="0" u="none" strike="noStrike" kern="1200" cap="none" spc="0" normalizeH="0" baseline="0" noProof="0" dirty="0">
                 <a:ln>
                   <a:noFill/>
                 </a:ln>
                 <a:solidFill>
-                  <a:srgbClr val="263238"/>
+                  <a:schemeClr val="bg1">
+                    <a:lumMod val="65000"/>
+                  </a:schemeClr>
                 </a:solidFill>
                 <a:effectLst/>
                 <a:uLnTx/>
@@ -18120,7 +18558,22 @@
                 <a:ea typeface="+mn-ea"/>
                 <a:cs typeface="+mn-cs"/>
               </a:rPr>
-              <a:t> </a:t>
+              <a:t>varchar</a:t>
+            </a:r>
+            <a:br>
+              <a:rPr lang="en-GB" sz="1200" dirty="0">
+                <a:solidFill>
+                  <a:srgbClr val="263238"/>
+                </a:solidFill>
+              </a:rPr>
+            </a:br>
+            <a:r>
+              <a:rPr lang="en-GB" sz="1200" dirty="0">
+                <a:solidFill>
+                  <a:srgbClr val="263238"/>
+                </a:solidFill>
+              </a:rPr>
+              <a:t>EXPIRATION_TIME </a:t>
             </a:r>
             <a:r>
               <a:rPr kumimoji="0" lang="en-GB" sz="700" b="0" i="0" u="none" strike="noStrike" kern="1200" cap="none" spc="0" normalizeH="0" baseline="0" noProof="0" dirty="0" err="1">
@@ -18141,23 +18594,23 @@
               </a:rPr>
               <a:t>bigint</a:t>
             </a:r>
-            <a:br>
+            <a:endParaRPr lang="en-GB" sz="1200" dirty="0">
+              <a:solidFill>
+                <a:srgbClr val="263238"/>
+              </a:solidFill>
+            </a:endParaRPr>
+          </a:p>
+          <a:p>
+            <a:r>
               <a:rPr lang="en-GB" sz="1200" dirty="0">
                 <a:solidFill>
                   <a:srgbClr val="263238"/>
                 </a:solidFill>
               </a:rPr>
-            </a:br>
-            <a:r>
-              <a:rPr lang="en-GB" sz="1200" dirty="0">
-                <a:solidFill>
-                  <a:srgbClr val="263238"/>
-                </a:solidFill>
-              </a:rPr>
-              <a:t>CREATED </a:t>
-            </a:r>
-            <a:r>
-              <a:rPr kumimoji="0" lang="en-GB" sz="700" b="0" i="0" u="none" strike="noStrike" kern="1200" cap="none" spc="0" normalizeH="0" baseline="0" noProof="0" dirty="0" err="1">
+              <a:t>P256DH </a:t>
+            </a:r>
+            <a:r>
+              <a:rPr kumimoji="0" lang="en-GB" sz="700" b="0" i="0" u="none" strike="noStrike" kern="1200" cap="none" spc="0" normalizeH="0" baseline="0" noProof="0" dirty="0">
                 <a:ln>
                   <a:noFill/>
                 </a:ln>
@@ -18173,42 +18626,20 @@
                 <a:ea typeface="+mn-ea"/>
                 <a:cs typeface="+mn-cs"/>
               </a:rPr>
-              <a:t>bigint</a:t>
-            </a:r>
-            <a:endParaRPr lang="en-GB" sz="1200" dirty="0">
-              <a:solidFill>
-                <a:srgbClr val="263238"/>
-              </a:solidFill>
-            </a:endParaRPr>
-          </a:p>
-          <a:p>
-            <a:pPr marL="0" marR="0" lvl="0" indent="0" algn="l" defTabSz="914400" rtl="0" eaLnBrk="1" fontAlgn="auto" latinLnBrk="0" hangingPunct="1">
-              <a:lnSpc>
-                <a:spcPct val="100000"/>
-              </a:lnSpc>
-              <a:spcBef>
-                <a:spcPts val="0"/>
-              </a:spcBef>
-              <a:spcAft>
-                <a:spcPts val="0"/>
-              </a:spcAft>
-              <a:buClrTx/>
-              <a:buSzTx/>
-              <a:buFontTx/>
-              <a:buNone/>
-              <a:tabLst/>
-              <a:defRPr/>
-            </a:pPr>
+              <a:t>varchar</a:t>
+            </a:r>
+          </a:p>
+          <a:p>
             <a:r>
               <a:rPr lang="en-GB" sz="1200" dirty="0">
                 <a:solidFill>
                   <a:srgbClr val="263238"/>
                 </a:solidFill>
               </a:rPr>
-              <a:t>EXPIRES </a:t>
-            </a:r>
-            <a:r>
-              <a:rPr kumimoji="0" lang="en-GB" sz="700" b="0" i="0" u="none" strike="noStrike" kern="1200" cap="none" spc="0" normalizeH="0" baseline="0" noProof="0" dirty="0" err="1">
+              <a:t>AUTH </a:t>
+            </a:r>
+            <a:r>
+              <a:rPr kumimoji="0" lang="en-GB" sz="700" b="0" i="0" u="none" strike="noStrike" kern="1200" cap="none" spc="0" normalizeH="0" baseline="0" noProof="0" dirty="0">
                 <a:ln>
                   <a:noFill/>
                 </a:ln>
@@ -18224,7 +18655,7 @@
                 <a:ea typeface="+mn-ea"/>
                 <a:cs typeface="+mn-cs"/>
               </a:rPr>
-              <a:t>bigint</a:t>
+              <a:t>varchar</a:t>
             </a:r>
             <a:br>
               <a:rPr kumimoji="0" lang="en-GB" sz="700" b="0" i="0" u="none" strike="noStrike" kern="1200" cap="none" spc="0" normalizeH="0" baseline="0" noProof="0" dirty="0">
@@ -18245,443 +18676,6 @@
               </a:rPr>
             </a:br>
             <a:r>
-              <a:rPr lang="en-GB" sz="1200" dirty="0">
-                <a:solidFill>
-                  <a:srgbClr val="263238"/>
-                </a:solidFill>
-              </a:rPr>
-              <a:t>TOKEN </a:t>
-            </a:r>
-            <a:r>
-              <a:rPr lang="en-GB" sz="700" dirty="0">
-                <a:solidFill>
-                  <a:schemeClr val="bg1">
-                    <a:lumMod val="65000"/>
-                  </a:schemeClr>
-                </a:solidFill>
-              </a:rPr>
-              <a:t>varchar</a:t>
-            </a:r>
-            <a:br>
-              <a:rPr lang="en-GB" sz="700" dirty="0">
-                <a:solidFill>
-                  <a:schemeClr val="bg1">
-                    <a:lumMod val="65000"/>
-                  </a:schemeClr>
-                </a:solidFill>
-              </a:rPr>
-            </a:br>
-            <a:r>
-              <a:rPr kumimoji="0" lang="en-GB" sz="1200" b="0" i="0" u="none" strike="noStrike" kern="1200" cap="none" spc="0" normalizeH="0" baseline="0" noProof="0" dirty="0">
-                <a:ln>
-                  <a:noFill/>
-                </a:ln>
-                <a:solidFill>
-                  <a:srgbClr val="FFC000"/>
-                </a:solidFill>
-                <a:effectLst/>
-                <a:uLnTx/>
-                <a:uFillTx/>
-                <a:latin typeface="Calibri" panose="020F0502020204030204"/>
-                <a:ea typeface="+mn-ea"/>
-                <a:cs typeface="+mn-cs"/>
-              </a:rPr>
-              <a:t>USER_ID </a:t>
-            </a:r>
-            <a:r>
-              <a:rPr kumimoji="0" lang="en-GB" sz="700" b="0" i="0" u="none" strike="noStrike" kern="1200" cap="none" spc="0" normalizeH="0" baseline="0" noProof="0" dirty="0" err="1">
-                <a:ln>
-                  <a:noFill/>
-                </a:ln>
-                <a:solidFill>
-                  <a:prstClr val="white">
-                    <a:lumMod val="65000"/>
-                  </a:prstClr>
-                </a:solidFill>
-                <a:effectLst/>
-                <a:uLnTx/>
-                <a:uFillTx/>
-                <a:latin typeface="Calibri" panose="020F0502020204030204"/>
-                <a:ea typeface="+mn-ea"/>
-                <a:cs typeface="+mn-cs"/>
-              </a:rPr>
-              <a:t>bigint</a:t>
-            </a:r>
-            <a:endParaRPr kumimoji="0" lang="en-GB" sz="1200" b="0" i="0" u="none" strike="noStrike" kern="1200" cap="none" spc="0" normalizeH="0" baseline="0" noProof="0" dirty="0">
-              <a:ln>
-                <a:noFill/>
-              </a:ln>
-              <a:solidFill>
-                <a:srgbClr val="263238"/>
-              </a:solidFill>
-              <a:effectLst/>
-              <a:uLnTx/>
-              <a:uFillTx/>
-              <a:latin typeface="Calibri" panose="020F0502020204030204"/>
-              <a:ea typeface="+mn-ea"/>
-              <a:cs typeface="+mn-cs"/>
-            </a:endParaRPr>
-          </a:p>
-          <a:p>
-            <a:endParaRPr lang="en-GB" sz="700" dirty="0">
-              <a:solidFill>
-                <a:srgbClr val="263238"/>
-              </a:solidFill>
-            </a:endParaRPr>
-          </a:p>
-        </p:txBody>
-      </p:sp>
-      <p:sp>
-        <p:nvSpPr>
-          <p:cNvPr id="7" name="Textfeld 6">
-            <a:extLst>
-              <a:ext uri="{FF2B5EF4-FFF2-40B4-BE49-F238E27FC236}">
-                <a16:creationId xmlns:a16="http://schemas.microsoft.com/office/drawing/2014/main" id="{C3ECAD3A-E1DC-4BF3-8071-B61CF335AE22}"/>
-              </a:ext>
-            </a:extLst>
-          </p:cNvPr>
-          <p:cNvSpPr txBox="1"/>
-          <p:nvPr/>
-        </p:nvSpPr>
-        <p:spPr>
-          <a:xfrm>
-            <a:off x="2541740" y="6415993"/>
-            <a:ext cx="8029184" cy="369332"/>
-          </a:xfrm>
-          <a:prstGeom prst="rect">
-            <a:avLst/>
-          </a:prstGeom>
-          <a:noFill/>
-        </p:spPr>
-        <p:txBody>
-          <a:bodyPr wrap="square">
-            <a:spAutoFit/>
-          </a:bodyPr>
-          <a:lstStyle/>
-          <a:p>
-            <a:r>
-              <a:rPr lang="de-DE" dirty="0">
-                <a:solidFill>
-                  <a:srgbClr val="263238"/>
-                </a:solidFill>
-              </a:rPr>
-              <a:t>HEX(Random(8byte))HEX(</a:t>
-            </a:r>
-            <a:r>
-              <a:rPr lang="de-DE" dirty="0" err="1">
-                <a:solidFill>
-                  <a:srgbClr val="263238"/>
-                </a:solidFill>
-              </a:rPr>
-              <a:t>Long.MAX_VALUE</a:t>
-            </a:r>
-            <a:r>
-              <a:rPr lang="de-DE" dirty="0">
-                <a:solidFill>
-                  <a:srgbClr val="263238"/>
-                </a:solidFill>
-              </a:rPr>
-              <a:t> – </a:t>
-            </a:r>
-            <a:r>
-              <a:rPr lang="de-DE" dirty="0" err="1">
-                <a:solidFill>
-                  <a:srgbClr val="263238"/>
-                </a:solidFill>
-              </a:rPr>
-              <a:t>id</a:t>
-            </a:r>
-            <a:r>
-              <a:rPr lang="de-DE" dirty="0">
-                <a:solidFill>
-                  <a:srgbClr val="263238"/>
-                </a:solidFill>
-              </a:rPr>
-              <a:t>)HEX(</a:t>
-            </a:r>
-            <a:r>
-              <a:rPr lang="de-DE" dirty="0" err="1">
-                <a:solidFill>
-                  <a:srgbClr val="263238"/>
-                </a:solidFill>
-              </a:rPr>
-              <a:t>now</a:t>
-            </a:r>
-            <a:r>
-              <a:rPr lang="de-DE" dirty="0">
-                <a:solidFill>
-                  <a:srgbClr val="263238"/>
-                </a:solidFill>
-              </a:rPr>
-              <a:t> + TTL)</a:t>
-            </a:r>
-            <a:endParaRPr lang="de-DE" dirty="0"/>
-          </a:p>
-        </p:txBody>
-      </p:sp>
-      <p:sp>
-        <p:nvSpPr>
-          <p:cNvPr id="8" name="Rechteck 7">
-            <a:extLst>
-              <a:ext uri="{FF2B5EF4-FFF2-40B4-BE49-F238E27FC236}">
-                <a16:creationId xmlns:a16="http://schemas.microsoft.com/office/drawing/2014/main" id="{EC5695B1-F3F0-4198-8E52-8981DCFBF8AD}"/>
-              </a:ext>
-            </a:extLst>
-          </p:cNvPr>
-          <p:cNvSpPr/>
-          <p:nvPr/>
-        </p:nvSpPr>
-        <p:spPr>
-          <a:xfrm>
-            <a:off x="6121470" y="3420363"/>
-            <a:ext cx="2051139" cy="1533835"/>
-          </a:xfrm>
-          <a:prstGeom prst="rect">
-            <a:avLst/>
-          </a:prstGeom>
-          <a:solidFill>
-            <a:schemeClr val="bg1"/>
-          </a:solidFill>
-          <a:ln>
-            <a:solidFill>
-              <a:schemeClr val="tx1">
-                <a:lumMod val="75000"/>
-                <a:lumOff val="25000"/>
-              </a:schemeClr>
-            </a:solidFill>
-          </a:ln>
-          <a:effectLst>
-            <a:outerShdw blurRad="50800" dist="38100" dir="2700000" algn="tl" rotWithShape="0">
-              <a:prstClr val="black">
-                <a:alpha val="40000"/>
-              </a:prstClr>
-            </a:outerShdw>
-          </a:effectLst>
-        </p:spPr>
-        <p:style>
-          <a:lnRef idx="2">
-            <a:schemeClr val="accent1">
-              <a:shade val="50000"/>
-            </a:schemeClr>
-          </a:lnRef>
-          <a:fillRef idx="1">
-            <a:schemeClr val="accent1"/>
-          </a:fillRef>
-          <a:effectRef idx="0">
-            <a:schemeClr val="accent1"/>
-          </a:effectRef>
-          <a:fontRef idx="minor">
-            <a:schemeClr val="lt1"/>
-          </a:fontRef>
-        </p:style>
-        <p:txBody>
-          <a:bodyPr rtlCol="0" anchor="ctr"/>
-          <a:lstStyle/>
-          <a:p>
-            <a:pPr algn="ctr"/>
-            <a:r>
-              <a:rPr lang="en-GB" sz="1600" b="1" dirty="0">
-                <a:solidFill>
-                  <a:srgbClr val="FF7961"/>
-                </a:solidFill>
-              </a:rPr>
-              <a:t>DEVICE</a:t>
-            </a:r>
-          </a:p>
-          <a:p>
-            <a:br>
-              <a:rPr lang="en-GB" sz="600" dirty="0">
-                <a:solidFill>
-                  <a:srgbClr val="FF7961"/>
-                </a:solidFill>
-              </a:rPr>
-            </a:br>
-            <a:r>
-              <a:rPr lang="en-GB" sz="1200" dirty="0">
-                <a:solidFill>
-                  <a:srgbClr val="00B0F0"/>
-                </a:solidFill>
-              </a:rPr>
-              <a:t>DEVICE_ID</a:t>
-            </a:r>
-            <a:r>
-              <a:rPr lang="en-GB" sz="1200" dirty="0">
-                <a:solidFill>
-                  <a:srgbClr val="263238"/>
-                </a:solidFill>
-              </a:rPr>
-              <a:t> </a:t>
-            </a:r>
-            <a:r>
-              <a:rPr lang="en-GB" sz="700" dirty="0" err="1">
-                <a:solidFill>
-                  <a:schemeClr val="bg1">
-                    <a:lumMod val="65000"/>
-                  </a:schemeClr>
-                </a:solidFill>
-              </a:rPr>
-              <a:t>bigint</a:t>
-            </a:r>
-            <a:br>
-              <a:rPr lang="en-GB" sz="1200" dirty="0">
-                <a:solidFill>
-                  <a:srgbClr val="263238"/>
-                </a:solidFill>
-              </a:rPr>
-            </a:br>
-            <a:r>
-              <a:rPr lang="en-GB" sz="1200" dirty="0">
-                <a:solidFill>
-                  <a:schemeClr val="accent4">
-                    <a:lumMod val="75000"/>
-                  </a:schemeClr>
-                </a:solidFill>
-              </a:rPr>
-              <a:t>ENDPOINT</a:t>
-            </a:r>
-            <a:r>
-              <a:rPr lang="en-GB" sz="1200" dirty="0">
-                <a:solidFill>
-                  <a:srgbClr val="263238"/>
-                </a:solidFill>
-              </a:rPr>
-              <a:t> </a:t>
-            </a:r>
-            <a:r>
-              <a:rPr kumimoji="0" lang="en-GB" sz="700" b="0" i="0" u="none" strike="noStrike" kern="1200" cap="none" spc="0" normalizeH="0" baseline="0" noProof="0" dirty="0">
-                <a:ln>
-                  <a:noFill/>
-                </a:ln>
-                <a:solidFill>
-                  <a:schemeClr val="bg1">
-                    <a:lumMod val="65000"/>
-                  </a:schemeClr>
-                </a:solidFill>
-                <a:effectLst/>
-                <a:uLnTx/>
-                <a:uFillTx/>
-                <a:latin typeface="Calibri" panose="020F0502020204030204"/>
-                <a:ea typeface="+mn-ea"/>
-                <a:cs typeface="+mn-cs"/>
-              </a:rPr>
-              <a:t>varchar</a:t>
-            </a:r>
-            <a:br>
-              <a:rPr lang="en-GB" sz="1200" dirty="0">
-                <a:solidFill>
-                  <a:srgbClr val="263238"/>
-                </a:solidFill>
-              </a:rPr>
-            </a:br>
-            <a:r>
-              <a:rPr lang="en-GB" sz="1200" dirty="0">
-                <a:solidFill>
-                  <a:srgbClr val="263238"/>
-                </a:solidFill>
-              </a:rPr>
-              <a:t>EXPIRATION_TIME </a:t>
-            </a:r>
-            <a:r>
-              <a:rPr kumimoji="0" lang="en-GB" sz="700" b="0" i="0" u="none" strike="noStrike" kern="1200" cap="none" spc="0" normalizeH="0" baseline="0" noProof="0" dirty="0" err="1">
-                <a:ln>
-                  <a:noFill/>
-                </a:ln>
-                <a:solidFill>
-                  <a:prstClr val="white">
-                    <a:lumMod val="65000"/>
-                  </a:prstClr>
-                </a:solidFill>
-                <a:effectLst/>
-                <a:uLnTx/>
-                <a:uFillTx/>
-                <a:latin typeface="Calibri" panose="020F0502020204030204"/>
-                <a:ea typeface="+mn-ea"/>
-                <a:cs typeface="+mn-cs"/>
-              </a:rPr>
-              <a:t>bigint</a:t>
-            </a:r>
-            <a:endParaRPr lang="en-GB" sz="1200" dirty="0">
-              <a:solidFill>
-                <a:srgbClr val="263238"/>
-              </a:solidFill>
-            </a:endParaRPr>
-          </a:p>
-          <a:p>
-            <a:r>
-              <a:rPr lang="en-GB" sz="1200" dirty="0">
-                <a:solidFill>
-                  <a:srgbClr val="263238"/>
-                </a:solidFill>
-              </a:rPr>
-              <a:t>P256DH </a:t>
-            </a:r>
-            <a:r>
-              <a:rPr kumimoji="0" lang="en-GB" sz="700" b="0" i="0" u="none" strike="noStrike" kern="1200" cap="none" spc="0" normalizeH="0" baseline="0" noProof="0" dirty="0">
-                <a:ln>
-                  <a:noFill/>
-                </a:ln>
-                <a:solidFill>
-                  <a:prstClr val="white">
-                    <a:lumMod val="65000"/>
-                  </a:prstClr>
-                </a:solidFill>
-                <a:effectLst/>
-                <a:uLnTx/>
-                <a:uFillTx/>
-                <a:latin typeface="Calibri" panose="020F0502020204030204"/>
-                <a:ea typeface="+mn-ea"/>
-                <a:cs typeface="+mn-cs"/>
-              </a:rPr>
-              <a:t>varchar</a:t>
-            </a:r>
-          </a:p>
-          <a:p>
-            <a:r>
-              <a:rPr lang="en-GB" sz="1200" dirty="0">
-                <a:solidFill>
-                  <a:srgbClr val="263238"/>
-                </a:solidFill>
-              </a:rPr>
-              <a:t>AUTH </a:t>
-            </a:r>
-            <a:r>
-              <a:rPr kumimoji="0" lang="en-GB" sz="700" b="0" i="0" u="none" strike="noStrike" kern="1200" cap="none" spc="0" normalizeH="0" baseline="0" noProof="0" dirty="0">
-                <a:ln>
-                  <a:noFill/>
-                </a:ln>
-                <a:solidFill>
-                  <a:prstClr val="white">
-                    <a:lumMod val="65000"/>
-                  </a:prstClr>
-                </a:solidFill>
-                <a:effectLst/>
-                <a:uLnTx/>
-                <a:uFillTx/>
-                <a:latin typeface="Calibri" panose="020F0502020204030204"/>
-                <a:ea typeface="+mn-ea"/>
-                <a:cs typeface="+mn-cs"/>
-              </a:rPr>
-              <a:t>varchar</a:t>
-            </a:r>
-            <a:br>
-              <a:rPr kumimoji="0" lang="en-GB" sz="700" b="0" i="0" u="none" strike="noStrike" kern="1200" cap="none" spc="0" normalizeH="0" baseline="0" noProof="0" dirty="0">
-                <a:ln>
-                  <a:noFill/>
-                </a:ln>
-                <a:solidFill>
-                  <a:prstClr val="white">
-                    <a:lumMod val="65000"/>
-                  </a:prstClr>
-                </a:solidFill>
-                <a:effectLst/>
-                <a:uLnTx/>
-                <a:uFillTx/>
-                <a:latin typeface="Calibri" panose="020F0502020204030204"/>
-                <a:ea typeface="+mn-ea"/>
-                <a:cs typeface="+mn-cs"/>
-              </a:rPr>
-            </a:br>
-            <a:r>
               <a:rPr kumimoji="0" lang="en-GB" sz="1200" b="0" i="0" u="none" strike="noStrike" kern="1200" cap="none" spc="0" normalizeH="0" baseline="0" noProof="0" dirty="0">
                 <a:ln>
                   <a:noFill/>
@@ -18911,7 +18905,7 @@
         </p:nvSpPr>
         <p:spPr>
           <a:xfrm>
-            <a:off x="3087661" y="2322893"/>
+            <a:off x="6843742" y="696037"/>
             <a:ext cx="2051139" cy="1734364"/>
           </a:xfrm>
           <a:prstGeom prst="rect">
@@ -19310,7 +19304,7 @@
         </p:nvSpPr>
         <p:spPr>
           <a:xfrm>
-            <a:off x="10054636" y="680354"/>
+            <a:off x="9642623" y="696037"/>
             <a:ext cx="2051139" cy="3979658"/>
           </a:xfrm>
           <a:prstGeom prst="rect">
@@ -19362,7 +19356,7 @@
                   <a:srgbClr val="FF7961"/>
                 </a:solidFill>
               </a:rPr>
-              <a:t>MESSAGE</a:t>
+              <a:t>PUSH_MESSAGE</a:t>
             </a:r>
           </a:p>
           <a:p>
@@ -20121,10 +20115,10 @@
       </p:sp>
       <p:sp>
         <p:nvSpPr>
-          <p:cNvPr id="13" name="Rechteck 12">
-            <a:extLst>
-              <a:ext uri="{FF2B5EF4-FFF2-40B4-BE49-F238E27FC236}">
-                <a16:creationId xmlns:a16="http://schemas.microsoft.com/office/drawing/2014/main" id="{6334BC23-9757-4558-91D5-7059E333A8C5}"/>
+          <p:cNvPr id="20" name="Rechteck 19">
+            <a:extLst>
+              <a:ext uri="{FF2B5EF4-FFF2-40B4-BE49-F238E27FC236}">
+                <a16:creationId xmlns:a16="http://schemas.microsoft.com/office/drawing/2014/main" id="{94AAA27A-9830-4503-8F51-11E20BC983C9}"/>
               </a:ext>
             </a:extLst>
           </p:cNvPr>
@@ -20133,8 +20127,8 @@
         </p:nvSpPr>
         <p:spPr>
           <a:xfrm>
-            <a:off x="9785954" y="5112466"/>
-            <a:ext cx="2051139" cy="1533835"/>
+            <a:off x="4044861" y="696037"/>
+            <a:ext cx="2051139" cy="1219441"/>
           </a:xfrm>
           <a:prstGeom prst="rect">
             <a:avLst/>
@@ -20185,7 +20179,7 @@
                   <a:srgbClr val="FF7961"/>
                 </a:solidFill>
               </a:rPr>
-              <a:t>ENVELOPE</a:t>
+              <a:t>SUBSCRIPTION</a:t>
             </a:r>
           </a:p>
           <a:p>
@@ -20220,7 +20214,7 @@
                 </a:solidFill>
                 <a:latin typeface="Calibri" panose="020F0502020204030204"/>
               </a:rPr>
-              <a:t>ENVELOPE_ID</a:t>
+              <a:t>SUBSCRIPTION_ID</a:t>
             </a:r>
             <a:r>
               <a:rPr kumimoji="0" lang="en-GB" sz="1200" b="0" i="0" u="none" strike="noStrike" kern="1200" cap="none" spc="0" normalizeH="0" baseline="0" noProof="0" dirty="0">
@@ -20266,12 +20260,21 @@
               </a:rPr>
             </a:br>
             <a:r>
+              <a:rPr lang="en-GB" sz="1200" dirty="0">
+                <a:solidFill>
+                  <a:srgbClr val="FFC000"/>
+                </a:solidFill>
+                <a:latin typeface="Calibri" panose="020F0502020204030204"/>
+              </a:rPr>
+              <a:t>USER</a:t>
+            </a:r>
+            <a:r>
               <a:rPr kumimoji="0" lang="en-GB" sz="1200" b="0" i="0" u="none" strike="noStrike" kern="1200" cap="none" spc="0" normalizeH="0" baseline="0" noProof="0" dirty="0">
                 <a:ln>
                   <a:noFill/>
                 </a:ln>
                 <a:solidFill>
-                  <a:srgbClr val="263238"/>
+                  <a:srgbClr val="FFC000"/>
                 </a:solidFill>
                 <a:effectLst/>
                 <a:uLnTx/>
@@ -20280,41 +20283,7 @@
                 <a:ea typeface="+mn-ea"/>
                 <a:cs typeface="+mn-cs"/>
               </a:rPr>
-              <a:t>NAME </a:t>
-            </a:r>
-            <a:r>
-              <a:rPr kumimoji="0" lang="en-GB" sz="700" b="0" i="0" u="none" strike="noStrike" kern="1200" cap="none" spc="0" normalizeH="0" baseline="0" noProof="0" dirty="0">
-                <a:ln>
-                  <a:noFill/>
-                </a:ln>
-                <a:solidFill>
-                  <a:prstClr val="white">
-                    <a:lumMod val="65000"/>
-                  </a:prstClr>
-                </a:solidFill>
-                <a:effectLst/>
-                <a:uLnTx/>
-                <a:uFillTx/>
-                <a:latin typeface="Calibri" panose="020F0502020204030204"/>
-                <a:ea typeface="+mn-ea"/>
-                <a:cs typeface="+mn-cs"/>
-              </a:rPr>
-              <a:t>varchar</a:t>
-            </a:r>
-            <a:endParaRPr lang="en-GB" sz="1200" dirty="0">
-              <a:solidFill>
-                <a:srgbClr val="263238"/>
-              </a:solidFill>
-            </a:endParaRPr>
-          </a:p>
-          <a:p>
-            <a:r>
-              <a:rPr lang="en-GB" sz="1200" dirty="0">
-                <a:solidFill>
-                  <a:srgbClr val="263238"/>
-                </a:solidFill>
-              </a:rPr>
-              <a:t>CREATED </a:t>
+              <a:t>_ID </a:t>
             </a:r>
             <a:r>
               <a:rPr kumimoji="0" lang="en-GB" sz="700" b="0" i="0" u="none" strike="noStrike" kern="1200" cap="none" spc="0" normalizeH="0" baseline="0" noProof="0" dirty="0" err="1">
@@ -20335,116 +20304,35 @@
               </a:rPr>
               <a:t>bigint</a:t>
             </a:r>
-            <a:endParaRPr lang="en-GB" sz="1200" dirty="0">
+            <a:endParaRPr kumimoji="0" lang="en-GB" sz="700" b="0" i="0" u="none" strike="noStrike" kern="1200" cap="none" spc="0" normalizeH="0" baseline="0" noProof="0" dirty="0">
+              <a:ln>
+                <a:noFill/>
+              </a:ln>
               <a:solidFill>
-                <a:srgbClr val="263238"/>
+                <a:prstClr val="white">
+                  <a:lumMod val="65000"/>
+                </a:prstClr>
               </a:solidFill>
+              <a:effectLst/>
+              <a:uLnTx/>
+              <a:uFillTx/>
+              <a:latin typeface="Calibri" panose="020F0502020204030204"/>
+              <a:ea typeface="+mn-ea"/>
+              <a:cs typeface="+mn-cs"/>
             </a:endParaRPr>
           </a:p>
-        </p:txBody>
-      </p:sp>
-      <p:sp>
-        <p:nvSpPr>
-          <p:cNvPr id="16" name="Rechteck 15">
-            <a:extLst>
-              <a:ext uri="{FF2B5EF4-FFF2-40B4-BE49-F238E27FC236}">
-                <a16:creationId xmlns:a16="http://schemas.microsoft.com/office/drawing/2014/main" id="{00F87910-E08A-4A29-98EF-D9EB570CF621}"/>
-              </a:ext>
-            </a:extLst>
-          </p:cNvPr>
-          <p:cNvSpPr/>
-          <p:nvPr/>
-        </p:nvSpPr>
-        <p:spPr>
-          <a:xfrm>
-            <a:off x="5712387" y="680354"/>
-            <a:ext cx="2051139" cy="1000633"/>
-          </a:xfrm>
-          <a:prstGeom prst="rect">
-            <a:avLst/>
-          </a:prstGeom>
-          <a:solidFill>
-            <a:schemeClr val="bg1"/>
-          </a:solidFill>
-          <a:ln>
-            <a:solidFill>
-              <a:schemeClr val="tx1">
-                <a:lumMod val="75000"/>
-                <a:lumOff val="25000"/>
-              </a:schemeClr>
-            </a:solidFill>
-          </a:ln>
-          <a:effectLst>
-            <a:outerShdw blurRad="50800" dist="38100" dir="2700000" algn="tl" rotWithShape="0">
-              <a:prstClr val="black">
-                <a:alpha val="40000"/>
-              </a:prstClr>
-            </a:outerShdw>
-          </a:effectLst>
-        </p:spPr>
-        <p:style>
-          <a:lnRef idx="2">
-            <a:schemeClr val="accent1">
-              <a:shade val="50000"/>
-            </a:schemeClr>
-          </a:lnRef>
-          <a:fillRef idx="1">
-            <a:schemeClr val="accent1"/>
-          </a:fillRef>
-          <a:effectRef idx="0">
-            <a:schemeClr val="accent1"/>
-          </a:effectRef>
-          <a:fontRef idx="minor">
-            <a:schemeClr val="lt1"/>
-          </a:fontRef>
-        </p:style>
-        <p:txBody>
-          <a:bodyPr rtlCol="0" anchor="ctr"/>
-          <a:lstStyle/>
-          <a:p>
-            <a:pPr algn="ctr"/>
-            <a:r>
-              <a:rPr lang="en-GB" sz="1600" b="1" dirty="0">
-                <a:solidFill>
-                  <a:srgbClr val="FF7961"/>
-                </a:solidFill>
-              </a:rPr>
-              <a:t>DEVICE2ENVELOPE</a:t>
-            </a:r>
-          </a:p>
-          <a:p>
-            <a:pPr marL="0" marR="0" lvl="0" indent="0" algn="l" defTabSz="914400" rtl="0" eaLnBrk="1" fontAlgn="auto" latinLnBrk="0" hangingPunct="1">
-              <a:lnSpc>
-                <a:spcPct val="100000"/>
-              </a:lnSpc>
-              <a:spcBef>
-                <a:spcPts val="0"/>
-              </a:spcBef>
-              <a:spcAft>
-                <a:spcPts val="0"/>
-              </a:spcAft>
-              <a:buClrTx/>
-              <a:buSzTx/>
-              <a:buFontTx/>
-              <a:buNone/>
-              <a:tabLst/>
+          <a:p>
+            <a:pPr>
               <a:defRPr/>
             </a:pPr>
-            <a:br>
-              <a:rPr lang="en-GB" sz="600" dirty="0">
-                <a:solidFill>
-                  <a:srgbClr val="FF7961"/>
-                </a:solidFill>
-              </a:rPr>
-            </a:br>
             <a:r>
               <a:rPr lang="en-GB" sz="1200" dirty="0">
                 <a:solidFill>
-                  <a:srgbClr val="00B0F0"/>
+                  <a:srgbClr val="FFC000"/>
                 </a:solidFill>
                 <a:latin typeface="Calibri" panose="020F0502020204030204"/>
               </a:rPr>
-              <a:t>DEVICE_ID</a:t>
+              <a:t>EVENT</a:t>
             </a:r>
             <a:r>
               <a:rPr kumimoji="0" lang="en-GB" sz="1200" b="0" i="0" u="none" strike="noStrike" kern="1200" cap="none" spc="0" normalizeH="0" baseline="0" noProof="0" dirty="0">
@@ -20452,7 +20340,7 @@
                   <a:noFill/>
                 </a:ln>
                 <a:solidFill>
-                  <a:srgbClr val="263238"/>
+                  <a:srgbClr val="FFC000"/>
                 </a:solidFill>
                 <a:effectLst/>
                 <a:uLnTx/>
@@ -20461,7 +20349,7 @@
                 <a:ea typeface="+mn-ea"/>
                 <a:cs typeface="+mn-cs"/>
               </a:rPr>
-              <a:t> </a:t>
+              <a:t>_ID </a:t>
             </a:r>
             <a:r>
               <a:rPr kumimoji="0" lang="en-GB" sz="700" b="0" i="0" u="none" strike="noStrike" kern="1200" cap="none" spc="0" normalizeH="0" baseline="0" noProof="0" dirty="0" err="1">
@@ -20482,57 +20370,15 @@
               </a:rPr>
               <a:t>bigint</a:t>
             </a:r>
-            <a:endParaRPr kumimoji="0" lang="en-GB" sz="700" b="0" i="0" u="none" strike="noStrike" kern="1200" cap="none" spc="0" normalizeH="0" baseline="0" noProof="0" dirty="0">
-              <a:ln>
-                <a:noFill/>
-              </a:ln>
-              <a:solidFill>
-                <a:prstClr val="white">
-                  <a:lumMod val="65000"/>
-                </a:prstClr>
-              </a:solidFill>
-              <a:effectLst/>
-              <a:uLnTx/>
-              <a:uFillTx/>
-              <a:latin typeface="Calibri" panose="020F0502020204030204"/>
-              <a:ea typeface="+mn-ea"/>
-              <a:cs typeface="+mn-cs"/>
-            </a:endParaRPr>
-          </a:p>
-          <a:p>
-            <a:pPr marL="0" marR="0" lvl="0" indent="0" algn="l" defTabSz="914400" rtl="0" eaLnBrk="1" fontAlgn="auto" latinLnBrk="0" hangingPunct="1">
-              <a:lnSpc>
-                <a:spcPct val="100000"/>
-              </a:lnSpc>
-              <a:spcBef>
-                <a:spcPts val="0"/>
-              </a:spcBef>
-              <a:spcAft>
-                <a:spcPts val="0"/>
-              </a:spcAft>
-              <a:buClrTx/>
-              <a:buSzTx/>
-              <a:buFontTx/>
-              <a:buNone/>
-              <a:tabLst/>
-              <a:defRPr/>
-            </a:pPr>
-            <a:r>
-              <a:rPr lang="en-GB" sz="1200" dirty="0">
-                <a:solidFill>
-                  <a:srgbClr val="00B0F0"/>
-                </a:solidFill>
-                <a:latin typeface="Calibri" panose="020F0502020204030204"/>
-              </a:rPr>
-              <a:t>ENVELOPE_ID</a:t>
-            </a:r>
-            <a:r>
-              <a:rPr kumimoji="0" lang="en-GB" sz="1200" b="0" i="0" u="none" strike="noStrike" kern="1200" cap="none" spc="0" normalizeH="0" baseline="0" noProof="0" dirty="0">
+            <a:br>
+              <a:rPr kumimoji="0" lang="en-GB" sz="700" b="0" i="0" u="none" strike="noStrike" kern="1200" cap="none" spc="0" normalizeH="0" baseline="0" noProof="0" dirty="0">
                 <a:ln>
                   <a:noFill/>
                 </a:ln>
                 <a:solidFill>
-                  <a:srgbClr val="263238"/>
+                  <a:prstClr val="white">
+                    <a:lumMod val="65000"/>
+                  </a:prstClr>
                 </a:solidFill>
                 <a:effectLst/>
                 <a:uLnTx/>
@@ -20541,7 +20387,14 @@
                 <a:ea typeface="+mn-ea"/>
                 <a:cs typeface="+mn-cs"/>
               </a:rPr>
-              <a:t> </a:t>
+            </a:br>
+            <a:r>
+              <a:rPr lang="en-GB" sz="1200" dirty="0">
+                <a:solidFill>
+                  <a:srgbClr val="263238"/>
+                </a:solidFill>
+              </a:rPr>
+              <a:t>CREATED </a:t>
             </a:r>
             <a:r>
               <a:rPr kumimoji="0" lang="en-GB" sz="700" b="0" i="0" u="none" strike="noStrike" kern="1200" cap="none" spc="0" normalizeH="0" baseline="0" noProof="0" dirty="0" err="1">
@@ -20562,29 +20415,20 @@
               </a:rPr>
               <a:t>bigint</a:t>
             </a:r>
-            <a:endParaRPr kumimoji="0" lang="en-GB" sz="1200" b="0" i="0" u="none" strike="noStrike" kern="1200" cap="none" spc="0" normalizeH="0" baseline="0" noProof="0" dirty="0">
-              <a:ln>
-                <a:noFill/>
-              </a:ln>
+            <a:endParaRPr lang="en-GB" sz="1200" dirty="0">
               <a:solidFill>
                 <a:srgbClr val="263238"/>
               </a:solidFill>
-              <a:effectLst/>
-              <a:uLnTx/>
-              <a:uFillTx/>
-              <a:latin typeface="Calibri" panose="020F0502020204030204"/>
-              <a:ea typeface="+mn-ea"/>
-              <a:cs typeface="+mn-cs"/>
             </a:endParaRPr>
           </a:p>
         </p:txBody>
       </p:sp>
       <p:sp>
         <p:nvSpPr>
-          <p:cNvPr id="17" name="Rechteck 16">
-            <a:extLst>
-              <a:ext uri="{FF2B5EF4-FFF2-40B4-BE49-F238E27FC236}">
-                <a16:creationId xmlns:a16="http://schemas.microsoft.com/office/drawing/2014/main" id="{A95EF9B4-8C31-4C63-9FD6-D5CFB8D07382}"/>
+          <p:cNvPr id="22" name="Rechteck 21">
+            <a:extLst>
+              <a:ext uri="{FF2B5EF4-FFF2-40B4-BE49-F238E27FC236}">
+                <a16:creationId xmlns:a16="http://schemas.microsoft.com/office/drawing/2014/main" id="{7F79A53B-D271-44BA-BE20-576420E23453}"/>
               </a:ext>
             </a:extLst>
           </p:cNvPr>
@@ -20593,1285 +20437,7 @@
         </p:nvSpPr>
         <p:spPr>
           <a:xfrm>
-            <a:off x="7883512" y="680354"/>
-            <a:ext cx="2051139" cy="1000633"/>
-          </a:xfrm>
-          <a:prstGeom prst="rect">
-            <a:avLst/>
-          </a:prstGeom>
-          <a:solidFill>
-            <a:schemeClr val="bg1"/>
-          </a:solidFill>
-          <a:ln>
-            <a:solidFill>
-              <a:schemeClr val="tx1">
-                <a:lumMod val="75000"/>
-                <a:lumOff val="25000"/>
-              </a:schemeClr>
-            </a:solidFill>
-          </a:ln>
-          <a:effectLst>
-            <a:outerShdw blurRad="50800" dist="38100" dir="2700000" algn="tl" rotWithShape="0">
-              <a:prstClr val="black">
-                <a:alpha val="40000"/>
-              </a:prstClr>
-            </a:outerShdw>
-          </a:effectLst>
-        </p:spPr>
-        <p:style>
-          <a:lnRef idx="2">
-            <a:schemeClr val="accent1">
-              <a:shade val="50000"/>
-            </a:schemeClr>
-          </a:lnRef>
-          <a:fillRef idx="1">
-            <a:schemeClr val="accent1"/>
-          </a:fillRef>
-          <a:effectRef idx="0">
-            <a:schemeClr val="accent1"/>
-          </a:effectRef>
-          <a:fontRef idx="minor">
-            <a:schemeClr val="lt1"/>
-          </a:fontRef>
-        </p:style>
-        <p:txBody>
-          <a:bodyPr rtlCol="0" anchor="ctr"/>
-          <a:lstStyle/>
-          <a:p>
-            <a:pPr algn="ctr"/>
-            <a:r>
-              <a:rPr lang="en-GB" sz="1600" b="1" dirty="0">
-                <a:solidFill>
-                  <a:srgbClr val="FF7961"/>
-                </a:solidFill>
-              </a:rPr>
-              <a:t>TRIGGER2ENVELOPE</a:t>
-            </a:r>
-          </a:p>
-          <a:p>
-            <a:pPr marL="0" marR="0" lvl="0" indent="0" algn="l" defTabSz="914400" rtl="0" eaLnBrk="1" fontAlgn="auto" latinLnBrk="0" hangingPunct="1">
-              <a:lnSpc>
-                <a:spcPct val="100000"/>
-              </a:lnSpc>
-              <a:spcBef>
-                <a:spcPts val="0"/>
-              </a:spcBef>
-              <a:spcAft>
-                <a:spcPts val="0"/>
-              </a:spcAft>
-              <a:buClrTx/>
-              <a:buSzTx/>
-              <a:buFontTx/>
-              <a:buNone/>
-              <a:tabLst/>
-              <a:defRPr/>
-            </a:pPr>
-            <a:br>
-              <a:rPr lang="en-GB" sz="600" dirty="0">
-                <a:solidFill>
-                  <a:srgbClr val="FF7961"/>
-                </a:solidFill>
-              </a:rPr>
-            </a:br>
-            <a:r>
-              <a:rPr lang="en-GB" sz="1200" dirty="0">
-                <a:solidFill>
-                  <a:srgbClr val="00B0F0"/>
-                </a:solidFill>
-                <a:latin typeface="Calibri" panose="020F0502020204030204"/>
-              </a:rPr>
-              <a:t>TRIGGER_ID</a:t>
-            </a:r>
-            <a:r>
-              <a:rPr kumimoji="0" lang="en-GB" sz="1200" b="0" i="0" u="none" strike="noStrike" kern="1200" cap="none" spc="0" normalizeH="0" baseline="0" noProof="0" dirty="0">
-                <a:ln>
-                  <a:noFill/>
-                </a:ln>
-                <a:solidFill>
-                  <a:srgbClr val="263238"/>
-                </a:solidFill>
-                <a:effectLst/>
-                <a:uLnTx/>
-                <a:uFillTx/>
-                <a:latin typeface="Calibri" panose="020F0502020204030204"/>
-                <a:ea typeface="+mn-ea"/>
-                <a:cs typeface="+mn-cs"/>
-              </a:rPr>
-              <a:t> </a:t>
-            </a:r>
-            <a:r>
-              <a:rPr kumimoji="0" lang="en-GB" sz="700" b="0" i="0" u="none" strike="noStrike" kern="1200" cap="none" spc="0" normalizeH="0" baseline="0" noProof="0" dirty="0" err="1">
-                <a:ln>
-                  <a:noFill/>
-                </a:ln>
-                <a:solidFill>
-                  <a:prstClr val="white">
-                    <a:lumMod val="65000"/>
-                  </a:prstClr>
-                </a:solidFill>
-                <a:effectLst/>
-                <a:uLnTx/>
-                <a:uFillTx/>
-                <a:latin typeface="Calibri" panose="020F0502020204030204"/>
-                <a:ea typeface="+mn-ea"/>
-                <a:cs typeface="+mn-cs"/>
-              </a:rPr>
-              <a:t>bigint</a:t>
-            </a:r>
-            <a:endParaRPr kumimoji="0" lang="en-GB" sz="700" b="0" i="0" u="none" strike="noStrike" kern="1200" cap="none" spc="0" normalizeH="0" baseline="0" noProof="0" dirty="0">
-              <a:ln>
-                <a:noFill/>
-              </a:ln>
-              <a:solidFill>
-                <a:prstClr val="white">
-                  <a:lumMod val="65000"/>
-                </a:prstClr>
-              </a:solidFill>
-              <a:effectLst/>
-              <a:uLnTx/>
-              <a:uFillTx/>
-              <a:latin typeface="Calibri" panose="020F0502020204030204"/>
-              <a:ea typeface="+mn-ea"/>
-              <a:cs typeface="+mn-cs"/>
-            </a:endParaRPr>
-          </a:p>
-          <a:p>
-            <a:pPr marL="0" marR="0" lvl="0" indent="0" algn="l" defTabSz="914400" rtl="0" eaLnBrk="1" fontAlgn="auto" latinLnBrk="0" hangingPunct="1">
-              <a:lnSpc>
-                <a:spcPct val="100000"/>
-              </a:lnSpc>
-              <a:spcBef>
-                <a:spcPts val="0"/>
-              </a:spcBef>
-              <a:spcAft>
-                <a:spcPts val="0"/>
-              </a:spcAft>
-              <a:buClrTx/>
-              <a:buSzTx/>
-              <a:buFontTx/>
-              <a:buNone/>
-              <a:tabLst/>
-              <a:defRPr/>
-            </a:pPr>
-            <a:r>
-              <a:rPr lang="en-GB" sz="1200" dirty="0">
-                <a:solidFill>
-                  <a:srgbClr val="00B0F0"/>
-                </a:solidFill>
-                <a:latin typeface="Calibri" panose="020F0502020204030204"/>
-              </a:rPr>
-              <a:t>ENVELOPE_ID</a:t>
-            </a:r>
-            <a:r>
-              <a:rPr kumimoji="0" lang="en-GB" sz="1200" b="0" i="0" u="none" strike="noStrike" kern="1200" cap="none" spc="0" normalizeH="0" baseline="0" noProof="0" dirty="0">
-                <a:ln>
-                  <a:noFill/>
-                </a:ln>
-                <a:solidFill>
-                  <a:srgbClr val="263238"/>
-                </a:solidFill>
-                <a:effectLst/>
-                <a:uLnTx/>
-                <a:uFillTx/>
-                <a:latin typeface="Calibri" panose="020F0502020204030204"/>
-                <a:ea typeface="+mn-ea"/>
-                <a:cs typeface="+mn-cs"/>
-              </a:rPr>
-              <a:t> </a:t>
-            </a:r>
-            <a:r>
-              <a:rPr kumimoji="0" lang="en-GB" sz="700" b="0" i="0" u="none" strike="noStrike" kern="1200" cap="none" spc="0" normalizeH="0" baseline="0" noProof="0" dirty="0" err="1">
-                <a:ln>
-                  <a:noFill/>
-                </a:ln>
-                <a:solidFill>
-                  <a:prstClr val="white">
-                    <a:lumMod val="65000"/>
-                  </a:prstClr>
-                </a:solidFill>
-                <a:effectLst/>
-                <a:uLnTx/>
-                <a:uFillTx/>
-                <a:latin typeface="Calibri" panose="020F0502020204030204"/>
-                <a:ea typeface="+mn-ea"/>
-                <a:cs typeface="+mn-cs"/>
-              </a:rPr>
-              <a:t>bigint</a:t>
-            </a:r>
-            <a:endParaRPr kumimoji="0" lang="en-GB" sz="1200" b="0" i="0" u="none" strike="noStrike" kern="1200" cap="none" spc="0" normalizeH="0" baseline="0" noProof="0" dirty="0">
-              <a:ln>
-                <a:noFill/>
-              </a:ln>
-              <a:solidFill>
-                <a:srgbClr val="263238"/>
-              </a:solidFill>
-              <a:effectLst/>
-              <a:uLnTx/>
-              <a:uFillTx/>
-              <a:latin typeface="Calibri" panose="020F0502020204030204"/>
-              <a:ea typeface="+mn-ea"/>
-              <a:cs typeface="+mn-cs"/>
-            </a:endParaRPr>
-          </a:p>
-        </p:txBody>
-      </p:sp>
-      <p:sp>
-        <p:nvSpPr>
-          <p:cNvPr id="18" name="Rechteck 17">
-            <a:extLst>
-              <a:ext uri="{FF2B5EF4-FFF2-40B4-BE49-F238E27FC236}">
-                <a16:creationId xmlns:a16="http://schemas.microsoft.com/office/drawing/2014/main" id="{3ABB794B-416E-49A6-A479-BEFE002A512E}"/>
-              </a:ext>
-            </a:extLst>
-          </p:cNvPr>
-          <p:cNvSpPr/>
-          <p:nvPr/>
-        </p:nvSpPr>
-        <p:spPr>
-          <a:xfrm>
-            <a:off x="5712386" y="1883121"/>
-            <a:ext cx="2051139" cy="1000633"/>
-          </a:xfrm>
-          <a:prstGeom prst="rect">
-            <a:avLst/>
-          </a:prstGeom>
-          <a:solidFill>
-            <a:schemeClr val="bg1"/>
-          </a:solidFill>
-          <a:ln>
-            <a:solidFill>
-              <a:schemeClr val="tx1">
-                <a:lumMod val="75000"/>
-                <a:lumOff val="25000"/>
-              </a:schemeClr>
-            </a:solidFill>
-          </a:ln>
-          <a:effectLst>
-            <a:outerShdw blurRad="50800" dist="38100" dir="2700000" algn="tl" rotWithShape="0">
-              <a:prstClr val="black">
-                <a:alpha val="40000"/>
-              </a:prstClr>
-            </a:outerShdw>
-          </a:effectLst>
-        </p:spPr>
-        <p:style>
-          <a:lnRef idx="2">
-            <a:schemeClr val="accent1">
-              <a:shade val="50000"/>
-            </a:schemeClr>
-          </a:lnRef>
-          <a:fillRef idx="1">
-            <a:schemeClr val="accent1"/>
-          </a:fillRef>
-          <a:effectRef idx="0">
-            <a:schemeClr val="accent1"/>
-          </a:effectRef>
-          <a:fontRef idx="minor">
-            <a:schemeClr val="lt1"/>
-          </a:fontRef>
-        </p:style>
-        <p:txBody>
-          <a:bodyPr rtlCol="0" anchor="ctr"/>
-          <a:lstStyle/>
-          <a:p>
-            <a:pPr algn="ctr"/>
-            <a:r>
-              <a:rPr lang="en-GB" sz="1600" b="1" dirty="0">
-                <a:solidFill>
-                  <a:srgbClr val="FF7961"/>
-                </a:solidFill>
-              </a:rPr>
-              <a:t>MESSAGE2ENVELOPE</a:t>
-            </a:r>
-          </a:p>
-          <a:p>
-            <a:pPr marL="0" marR="0" lvl="0" indent="0" algn="l" defTabSz="914400" rtl="0" eaLnBrk="1" fontAlgn="auto" latinLnBrk="0" hangingPunct="1">
-              <a:lnSpc>
-                <a:spcPct val="100000"/>
-              </a:lnSpc>
-              <a:spcBef>
-                <a:spcPts val="0"/>
-              </a:spcBef>
-              <a:spcAft>
-                <a:spcPts val="0"/>
-              </a:spcAft>
-              <a:buClrTx/>
-              <a:buSzTx/>
-              <a:buFontTx/>
-              <a:buNone/>
-              <a:tabLst/>
-              <a:defRPr/>
-            </a:pPr>
-            <a:br>
-              <a:rPr lang="en-GB" sz="600" dirty="0">
-                <a:solidFill>
-                  <a:srgbClr val="FF7961"/>
-                </a:solidFill>
-              </a:rPr>
-            </a:br>
-            <a:r>
-              <a:rPr lang="en-GB" sz="1200" dirty="0">
-                <a:solidFill>
-                  <a:srgbClr val="00B0F0"/>
-                </a:solidFill>
-                <a:latin typeface="Calibri" panose="020F0502020204030204"/>
-              </a:rPr>
-              <a:t>MESSAGE_ID</a:t>
-            </a:r>
-            <a:r>
-              <a:rPr kumimoji="0" lang="en-GB" sz="1200" b="0" i="0" u="none" strike="noStrike" kern="1200" cap="none" spc="0" normalizeH="0" baseline="0" noProof="0" dirty="0">
-                <a:ln>
-                  <a:noFill/>
-                </a:ln>
-                <a:solidFill>
-                  <a:srgbClr val="263238"/>
-                </a:solidFill>
-                <a:effectLst/>
-                <a:uLnTx/>
-                <a:uFillTx/>
-                <a:latin typeface="Calibri" panose="020F0502020204030204"/>
-                <a:ea typeface="+mn-ea"/>
-                <a:cs typeface="+mn-cs"/>
-              </a:rPr>
-              <a:t> </a:t>
-            </a:r>
-            <a:r>
-              <a:rPr kumimoji="0" lang="en-GB" sz="700" b="0" i="0" u="none" strike="noStrike" kern="1200" cap="none" spc="0" normalizeH="0" baseline="0" noProof="0" dirty="0" err="1">
-                <a:ln>
-                  <a:noFill/>
-                </a:ln>
-                <a:solidFill>
-                  <a:prstClr val="white">
-                    <a:lumMod val="65000"/>
-                  </a:prstClr>
-                </a:solidFill>
-                <a:effectLst/>
-                <a:uLnTx/>
-                <a:uFillTx/>
-                <a:latin typeface="Calibri" panose="020F0502020204030204"/>
-                <a:ea typeface="+mn-ea"/>
-                <a:cs typeface="+mn-cs"/>
-              </a:rPr>
-              <a:t>bigint</a:t>
-            </a:r>
-            <a:endParaRPr kumimoji="0" lang="en-GB" sz="700" b="0" i="0" u="none" strike="noStrike" kern="1200" cap="none" spc="0" normalizeH="0" baseline="0" noProof="0" dirty="0">
-              <a:ln>
-                <a:noFill/>
-              </a:ln>
-              <a:solidFill>
-                <a:prstClr val="white">
-                  <a:lumMod val="65000"/>
-                </a:prstClr>
-              </a:solidFill>
-              <a:effectLst/>
-              <a:uLnTx/>
-              <a:uFillTx/>
-              <a:latin typeface="Calibri" panose="020F0502020204030204"/>
-              <a:ea typeface="+mn-ea"/>
-              <a:cs typeface="+mn-cs"/>
-            </a:endParaRPr>
-          </a:p>
-          <a:p>
-            <a:pPr marL="0" marR="0" lvl="0" indent="0" algn="l" defTabSz="914400" rtl="0" eaLnBrk="1" fontAlgn="auto" latinLnBrk="0" hangingPunct="1">
-              <a:lnSpc>
-                <a:spcPct val="100000"/>
-              </a:lnSpc>
-              <a:spcBef>
-                <a:spcPts val="0"/>
-              </a:spcBef>
-              <a:spcAft>
-                <a:spcPts val="0"/>
-              </a:spcAft>
-              <a:buClrTx/>
-              <a:buSzTx/>
-              <a:buFontTx/>
-              <a:buNone/>
-              <a:tabLst/>
-              <a:defRPr/>
-            </a:pPr>
-            <a:r>
-              <a:rPr lang="en-GB" sz="1200" dirty="0">
-                <a:solidFill>
-                  <a:srgbClr val="00B0F0"/>
-                </a:solidFill>
-                <a:latin typeface="Calibri" panose="020F0502020204030204"/>
-              </a:rPr>
-              <a:t>ENVELOPE_ID</a:t>
-            </a:r>
-            <a:r>
-              <a:rPr kumimoji="0" lang="en-GB" sz="1200" b="0" i="0" u="none" strike="noStrike" kern="1200" cap="none" spc="0" normalizeH="0" baseline="0" noProof="0" dirty="0">
-                <a:ln>
-                  <a:noFill/>
-                </a:ln>
-                <a:solidFill>
-                  <a:srgbClr val="263238"/>
-                </a:solidFill>
-                <a:effectLst/>
-                <a:uLnTx/>
-                <a:uFillTx/>
-                <a:latin typeface="Calibri" panose="020F0502020204030204"/>
-                <a:ea typeface="+mn-ea"/>
-                <a:cs typeface="+mn-cs"/>
-              </a:rPr>
-              <a:t> </a:t>
-            </a:r>
-            <a:r>
-              <a:rPr kumimoji="0" lang="en-GB" sz="700" b="0" i="0" u="none" strike="noStrike" kern="1200" cap="none" spc="0" normalizeH="0" baseline="0" noProof="0" dirty="0" err="1">
-                <a:ln>
-                  <a:noFill/>
-                </a:ln>
-                <a:solidFill>
-                  <a:prstClr val="white">
-                    <a:lumMod val="65000"/>
-                  </a:prstClr>
-                </a:solidFill>
-                <a:effectLst/>
-                <a:uLnTx/>
-                <a:uFillTx/>
-                <a:latin typeface="Calibri" panose="020F0502020204030204"/>
-                <a:ea typeface="+mn-ea"/>
-                <a:cs typeface="+mn-cs"/>
-              </a:rPr>
-              <a:t>bigint</a:t>
-            </a:r>
-            <a:endParaRPr kumimoji="0" lang="en-GB" sz="1200" b="0" i="0" u="none" strike="noStrike" kern="1200" cap="none" spc="0" normalizeH="0" baseline="0" noProof="0" dirty="0">
-              <a:ln>
-                <a:noFill/>
-              </a:ln>
-              <a:solidFill>
-                <a:srgbClr val="263238"/>
-              </a:solidFill>
-              <a:effectLst/>
-              <a:uLnTx/>
-              <a:uFillTx/>
-              <a:latin typeface="Calibri" panose="020F0502020204030204"/>
-              <a:ea typeface="+mn-ea"/>
-              <a:cs typeface="+mn-cs"/>
-            </a:endParaRPr>
-          </a:p>
-        </p:txBody>
-      </p:sp>
-      <p:sp>
-        <p:nvSpPr>
-          <p:cNvPr id="19" name="Rechteck 18">
-            <a:extLst>
-              <a:ext uri="{FF2B5EF4-FFF2-40B4-BE49-F238E27FC236}">
-                <a16:creationId xmlns:a16="http://schemas.microsoft.com/office/drawing/2014/main" id="{95E37E9B-1185-4F8F-9D1F-011A27C4E363}"/>
-              </a:ext>
-            </a:extLst>
-          </p:cNvPr>
-          <p:cNvSpPr/>
-          <p:nvPr/>
-        </p:nvSpPr>
-        <p:spPr>
-          <a:xfrm>
-            <a:off x="7883511" y="1883121"/>
-            <a:ext cx="2051139" cy="1000633"/>
-          </a:xfrm>
-          <a:prstGeom prst="rect">
-            <a:avLst/>
-          </a:prstGeom>
-          <a:solidFill>
-            <a:schemeClr val="bg1"/>
-          </a:solidFill>
-          <a:ln>
-            <a:solidFill>
-              <a:schemeClr val="tx1">
-                <a:lumMod val="75000"/>
-                <a:lumOff val="25000"/>
-              </a:schemeClr>
-            </a:solidFill>
-          </a:ln>
-          <a:effectLst>
-            <a:outerShdw blurRad="50800" dist="38100" dir="2700000" algn="tl" rotWithShape="0">
-              <a:prstClr val="black">
-                <a:alpha val="40000"/>
-              </a:prstClr>
-            </a:outerShdw>
-          </a:effectLst>
-        </p:spPr>
-        <p:style>
-          <a:lnRef idx="2">
-            <a:schemeClr val="accent1">
-              <a:shade val="50000"/>
-            </a:schemeClr>
-          </a:lnRef>
-          <a:fillRef idx="1">
-            <a:schemeClr val="accent1"/>
-          </a:fillRef>
-          <a:effectRef idx="0">
-            <a:schemeClr val="accent1"/>
-          </a:effectRef>
-          <a:fontRef idx="minor">
-            <a:schemeClr val="lt1"/>
-          </a:fontRef>
-        </p:style>
-        <p:txBody>
-          <a:bodyPr rtlCol="0" anchor="ctr"/>
-          <a:lstStyle/>
-          <a:p>
-            <a:pPr algn="ctr"/>
-            <a:r>
-              <a:rPr lang="en-GB" sz="1600" b="1" dirty="0">
-                <a:solidFill>
-                  <a:srgbClr val="FF7961"/>
-                </a:solidFill>
-              </a:rPr>
-              <a:t>USER2ENVELOPE</a:t>
-            </a:r>
-          </a:p>
-          <a:p>
-            <a:pPr marL="0" marR="0" lvl="0" indent="0" algn="l" defTabSz="914400" rtl="0" eaLnBrk="1" fontAlgn="auto" latinLnBrk="0" hangingPunct="1">
-              <a:lnSpc>
-                <a:spcPct val="100000"/>
-              </a:lnSpc>
-              <a:spcBef>
-                <a:spcPts val="0"/>
-              </a:spcBef>
-              <a:spcAft>
-                <a:spcPts val="0"/>
-              </a:spcAft>
-              <a:buClrTx/>
-              <a:buSzTx/>
-              <a:buFontTx/>
-              <a:buNone/>
-              <a:tabLst/>
-              <a:defRPr/>
-            </a:pPr>
-            <a:br>
-              <a:rPr lang="en-GB" sz="600" dirty="0">
-                <a:solidFill>
-                  <a:srgbClr val="FF7961"/>
-                </a:solidFill>
-              </a:rPr>
-            </a:br>
-            <a:r>
-              <a:rPr lang="en-GB" sz="1200" dirty="0">
-                <a:solidFill>
-                  <a:srgbClr val="00B0F0"/>
-                </a:solidFill>
-                <a:latin typeface="Calibri" panose="020F0502020204030204"/>
-              </a:rPr>
-              <a:t>USER_ID</a:t>
-            </a:r>
-            <a:r>
-              <a:rPr kumimoji="0" lang="en-GB" sz="1200" b="0" i="0" u="none" strike="noStrike" kern="1200" cap="none" spc="0" normalizeH="0" baseline="0" noProof="0" dirty="0">
-                <a:ln>
-                  <a:noFill/>
-                </a:ln>
-                <a:solidFill>
-                  <a:srgbClr val="263238"/>
-                </a:solidFill>
-                <a:effectLst/>
-                <a:uLnTx/>
-                <a:uFillTx/>
-                <a:latin typeface="Calibri" panose="020F0502020204030204"/>
-                <a:ea typeface="+mn-ea"/>
-                <a:cs typeface="+mn-cs"/>
-              </a:rPr>
-              <a:t> </a:t>
-            </a:r>
-            <a:r>
-              <a:rPr kumimoji="0" lang="en-GB" sz="700" b="0" i="0" u="none" strike="noStrike" kern="1200" cap="none" spc="0" normalizeH="0" baseline="0" noProof="0" dirty="0" err="1">
-                <a:ln>
-                  <a:noFill/>
-                </a:ln>
-                <a:solidFill>
-                  <a:prstClr val="white">
-                    <a:lumMod val="65000"/>
-                  </a:prstClr>
-                </a:solidFill>
-                <a:effectLst/>
-                <a:uLnTx/>
-                <a:uFillTx/>
-                <a:latin typeface="Calibri" panose="020F0502020204030204"/>
-                <a:ea typeface="+mn-ea"/>
-                <a:cs typeface="+mn-cs"/>
-              </a:rPr>
-              <a:t>bigint</a:t>
-            </a:r>
-            <a:endParaRPr kumimoji="0" lang="en-GB" sz="700" b="0" i="0" u="none" strike="noStrike" kern="1200" cap="none" spc="0" normalizeH="0" baseline="0" noProof="0" dirty="0">
-              <a:ln>
-                <a:noFill/>
-              </a:ln>
-              <a:solidFill>
-                <a:prstClr val="white">
-                  <a:lumMod val="65000"/>
-                </a:prstClr>
-              </a:solidFill>
-              <a:effectLst/>
-              <a:uLnTx/>
-              <a:uFillTx/>
-              <a:latin typeface="Calibri" panose="020F0502020204030204"/>
-              <a:ea typeface="+mn-ea"/>
-              <a:cs typeface="+mn-cs"/>
-            </a:endParaRPr>
-          </a:p>
-          <a:p>
-            <a:pPr marL="0" marR="0" lvl="0" indent="0" algn="l" defTabSz="914400" rtl="0" eaLnBrk="1" fontAlgn="auto" latinLnBrk="0" hangingPunct="1">
-              <a:lnSpc>
-                <a:spcPct val="100000"/>
-              </a:lnSpc>
-              <a:spcBef>
-                <a:spcPts val="0"/>
-              </a:spcBef>
-              <a:spcAft>
-                <a:spcPts val="0"/>
-              </a:spcAft>
-              <a:buClrTx/>
-              <a:buSzTx/>
-              <a:buFontTx/>
-              <a:buNone/>
-              <a:tabLst/>
-              <a:defRPr/>
-            </a:pPr>
-            <a:r>
-              <a:rPr lang="en-GB" sz="1200" dirty="0">
-                <a:solidFill>
-                  <a:srgbClr val="00B0F0"/>
-                </a:solidFill>
-                <a:latin typeface="Calibri" panose="020F0502020204030204"/>
-              </a:rPr>
-              <a:t>ENVELOPE_ID</a:t>
-            </a:r>
-            <a:r>
-              <a:rPr kumimoji="0" lang="en-GB" sz="1200" b="0" i="0" u="none" strike="noStrike" kern="1200" cap="none" spc="0" normalizeH="0" baseline="0" noProof="0" dirty="0">
-                <a:ln>
-                  <a:noFill/>
-                </a:ln>
-                <a:solidFill>
-                  <a:srgbClr val="263238"/>
-                </a:solidFill>
-                <a:effectLst/>
-                <a:uLnTx/>
-                <a:uFillTx/>
-                <a:latin typeface="Calibri" panose="020F0502020204030204"/>
-                <a:ea typeface="+mn-ea"/>
-                <a:cs typeface="+mn-cs"/>
-              </a:rPr>
-              <a:t> </a:t>
-            </a:r>
-            <a:r>
-              <a:rPr kumimoji="0" lang="en-GB" sz="700" b="0" i="0" u="none" strike="noStrike" kern="1200" cap="none" spc="0" normalizeH="0" baseline="0" noProof="0" dirty="0" err="1">
-                <a:ln>
-                  <a:noFill/>
-                </a:ln>
-                <a:solidFill>
-                  <a:prstClr val="white">
-                    <a:lumMod val="65000"/>
-                  </a:prstClr>
-                </a:solidFill>
-                <a:effectLst/>
-                <a:uLnTx/>
-                <a:uFillTx/>
-                <a:latin typeface="Calibri" panose="020F0502020204030204"/>
-                <a:ea typeface="+mn-ea"/>
-                <a:cs typeface="+mn-cs"/>
-              </a:rPr>
-              <a:t>bigint</a:t>
-            </a:r>
-            <a:endParaRPr kumimoji="0" lang="en-GB" sz="1200" b="0" i="0" u="none" strike="noStrike" kern="1200" cap="none" spc="0" normalizeH="0" baseline="0" noProof="0" dirty="0">
-              <a:ln>
-                <a:noFill/>
-              </a:ln>
-              <a:solidFill>
-                <a:srgbClr val="263238"/>
-              </a:solidFill>
-              <a:effectLst/>
-              <a:uLnTx/>
-              <a:uFillTx/>
-              <a:latin typeface="Calibri" panose="020F0502020204030204"/>
-              <a:ea typeface="+mn-ea"/>
-              <a:cs typeface="+mn-cs"/>
-            </a:endParaRPr>
-          </a:p>
-        </p:txBody>
-      </p:sp>
-      <p:sp>
-        <p:nvSpPr>
-          <p:cNvPr id="20" name="Rechteck 19">
-            <a:extLst>
-              <a:ext uri="{FF2B5EF4-FFF2-40B4-BE49-F238E27FC236}">
-                <a16:creationId xmlns:a16="http://schemas.microsoft.com/office/drawing/2014/main" id="{94AAA27A-9830-4503-8F51-11E20BC983C9}"/>
-              </a:ext>
-            </a:extLst>
-          </p:cNvPr>
-          <p:cNvSpPr/>
-          <p:nvPr/>
-        </p:nvSpPr>
-        <p:spPr>
-          <a:xfrm>
-            <a:off x="5743181" y="5106017"/>
-            <a:ext cx="2051139" cy="1563813"/>
-          </a:xfrm>
-          <a:prstGeom prst="rect">
-            <a:avLst/>
-          </a:prstGeom>
-          <a:solidFill>
-            <a:schemeClr val="bg1"/>
-          </a:solidFill>
-          <a:ln>
-            <a:solidFill>
-              <a:schemeClr val="tx1">
-                <a:lumMod val="75000"/>
-                <a:lumOff val="25000"/>
-              </a:schemeClr>
-            </a:solidFill>
-          </a:ln>
-          <a:effectLst>
-            <a:outerShdw blurRad="50800" dist="38100" dir="2700000" algn="tl" rotWithShape="0">
-              <a:prstClr val="black">
-                <a:alpha val="40000"/>
-              </a:prstClr>
-            </a:outerShdw>
-          </a:effectLst>
-        </p:spPr>
-        <p:style>
-          <a:lnRef idx="2">
-            <a:schemeClr val="accent1">
-              <a:shade val="50000"/>
-            </a:schemeClr>
-          </a:lnRef>
-          <a:fillRef idx="1">
-            <a:schemeClr val="accent1"/>
-          </a:fillRef>
-          <a:effectRef idx="0">
-            <a:schemeClr val="accent1"/>
-          </a:effectRef>
-          <a:fontRef idx="minor">
-            <a:schemeClr val="lt1"/>
-          </a:fontRef>
-        </p:style>
-        <p:txBody>
-          <a:bodyPr rtlCol="0" anchor="ctr"/>
-          <a:lstStyle/>
-          <a:p>
-            <a:pPr algn="ctr"/>
-            <a:r>
-              <a:rPr lang="en-GB" sz="1600" b="1" dirty="0">
-                <a:solidFill>
-                  <a:srgbClr val="FF7961"/>
-                </a:solidFill>
-              </a:rPr>
-              <a:t>SUBSCRIPTION</a:t>
-            </a:r>
-          </a:p>
-          <a:p>
-            <a:pPr marL="0" marR="0" lvl="0" indent="0" algn="l" defTabSz="914400" rtl="0" eaLnBrk="1" fontAlgn="auto" latinLnBrk="0" hangingPunct="1">
-              <a:lnSpc>
-                <a:spcPct val="100000"/>
-              </a:lnSpc>
-              <a:spcBef>
-                <a:spcPts val="0"/>
-              </a:spcBef>
-              <a:spcAft>
-                <a:spcPts val="0"/>
-              </a:spcAft>
-              <a:buClrTx/>
-              <a:buSzTx/>
-              <a:buFontTx/>
-              <a:buNone/>
-              <a:tabLst/>
-              <a:defRPr/>
-            </a:pPr>
-            <a:br>
-              <a:rPr lang="en-GB" sz="600" dirty="0">
-                <a:solidFill>
-                  <a:srgbClr val="FF7961"/>
-                </a:solidFill>
-              </a:rPr>
-            </a:br>
-            <a:r>
-              <a:rPr lang="en-GB" sz="1200" dirty="0">
-                <a:solidFill>
-                  <a:srgbClr val="00B0F0"/>
-                </a:solidFill>
-                <a:latin typeface="Calibri" panose="020F0502020204030204"/>
-              </a:rPr>
-              <a:t>SUBSCRIPTION_ID</a:t>
-            </a:r>
-            <a:r>
-              <a:rPr kumimoji="0" lang="en-GB" sz="1200" b="0" i="0" u="none" strike="noStrike" kern="1200" cap="none" spc="0" normalizeH="0" baseline="0" noProof="0" dirty="0">
-                <a:ln>
-                  <a:noFill/>
-                </a:ln>
-                <a:solidFill>
-                  <a:srgbClr val="263238"/>
-                </a:solidFill>
-                <a:effectLst/>
-                <a:uLnTx/>
-                <a:uFillTx/>
-                <a:latin typeface="Calibri" panose="020F0502020204030204"/>
-                <a:ea typeface="+mn-ea"/>
-                <a:cs typeface="+mn-cs"/>
-              </a:rPr>
-              <a:t> </a:t>
-            </a:r>
-            <a:r>
-              <a:rPr kumimoji="0" lang="en-GB" sz="700" b="0" i="0" u="none" strike="noStrike" kern="1200" cap="none" spc="0" normalizeH="0" baseline="0" noProof="0" dirty="0" err="1">
-                <a:ln>
-                  <a:noFill/>
-                </a:ln>
-                <a:solidFill>
-                  <a:prstClr val="white">
-                    <a:lumMod val="65000"/>
-                  </a:prstClr>
-                </a:solidFill>
-                <a:effectLst/>
-                <a:uLnTx/>
-                <a:uFillTx/>
-                <a:latin typeface="Calibri" panose="020F0502020204030204"/>
-                <a:ea typeface="+mn-ea"/>
-                <a:cs typeface="+mn-cs"/>
-              </a:rPr>
-              <a:t>bigint</a:t>
-            </a:r>
-            <a:br>
-              <a:rPr lang="en-GB" sz="1200" dirty="0">
-                <a:solidFill>
-                  <a:srgbClr val="263238"/>
-                </a:solidFill>
-              </a:rPr>
-            </a:br>
-            <a:r>
-              <a:rPr kumimoji="0" lang="en-GB" sz="1200" b="0" i="0" u="none" strike="noStrike" kern="1200" cap="none" spc="0" normalizeH="0" baseline="0" noProof="0" dirty="0">
-                <a:ln>
-                  <a:noFill/>
-                </a:ln>
-                <a:solidFill>
-                  <a:srgbClr val="263238"/>
-                </a:solidFill>
-                <a:effectLst/>
-                <a:uLnTx/>
-                <a:uFillTx/>
-                <a:latin typeface="Calibri" panose="020F0502020204030204"/>
-                <a:ea typeface="+mn-ea"/>
-                <a:cs typeface="+mn-cs"/>
-              </a:rPr>
-              <a:t>NAME </a:t>
-            </a:r>
-            <a:r>
-              <a:rPr kumimoji="0" lang="en-GB" sz="700" b="0" i="0" u="none" strike="noStrike" kern="1200" cap="none" spc="0" normalizeH="0" baseline="0" noProof="0" dirty="0">
-                <a:ln>
-                  <a:noFill/>
-                </a:ln>
-                <a:solidFill>
-                  <a:prstClr val="white">
-                    <a:lumMod val="65000"/>
-                  </a:prstClr>
-                </a:solidFill>
-                <a:effectLst/>
-                <a:uLnTx/>
-                <a:uFillTx/>
-                <a:latin typeface="Calibri" panose="020F0502020204030204"/>
-                <a:ea typeface="+mn-ea"/>
-                <a:cs typeface="+mn-cs"/>
-              </a:rPr>
-              <a:t>varchar</a:t>
-            </a:r>
-            <a:endParaRPr lang="en-GB" sz="1200" dirty="0">
-              <a:solidFill>
-                <a:srgbClr val="263238"/>
-              </a:solidFill>
-            </a:endParaRPr>
-          </a:p>
-          <a:p>
-            <a:r>
-              <a:rPr lang="en-GB" sz="1200" dirty="0">
-                <a:solidFill>
-                  <a:srgbClr val="263238"/>
-                </a:solidFill>
-              </a:rPr>
-              <a:t>CREATED </a:t>
-            </a:r>
-            <a:r>
-              <a:rPr kumimoji="0" lang="en-GB" sz="700" b="0" i="0" u="none" strike="noStrike" kern="1200" cap="none" spc="0" normalizeH="0" baseline="0" noProof="0" dirty="0" err="1">
-                <a:ln>
-                  <a:noFill/>
-                </a:ln>
-                <a:solidFill>
-                  <a:prstClr val="white">
-                    <a:lumMod val="65000"/>
-                  </a:prstClr>
-                </a:solidFill>
-                <a:effectLst/>
-                <a:uLnTx/>
-                <a:uFillTx/>
-                <a:latin typeface="Calibri" panose="020F0502020204030204"/>
-                <a:ea typeface="+mn-ea"/>
-                <a:cs typeface="+mn-cs"/>
-              </a:rPr>
-              <a:t>bigint</a:t>
-            </a:r>
-            <a:endParaRPr lang="en-GB" sz="1200" dirty="0">
-              <a:solidFill>
-                <a:srgbClr val="263238"/>
-              </a:solidFill>
-            </a:endParaRPr>
-          </a:p>
-          <a:p>
-            <a:pPr>
-              <a:defRPr/>
-            </a:pPr>
-            <a:r>
-              <a:rPr kumimoji="0" lang="en-GB" sz="1200" b="0" i="0" u="none" strike="noStrike" kern="1200" cap="none" spc="0" normalizeH="0" baseline="0" noProof="0" dirty="0">
-                <a:ln>
-                  <a:noFill/>
-                </a:ln>
-                <a:solidFill>
-                  <a:srgbClr val="263238"/>
-                </a:solidFill>
-                <a:effectLst/>
-                <a:uLnTx/>
-                <a:uFillTx/>
-                <a:latin typeface="Calibri" panose="020F0502020204030204"/>
-                <a:ea typeface="+mn-ea"/>
-                <a:cs typeface="+mn-cs"/>
-              </a:rPr>
-              <a:t>ACTIVE </a:t>
-            </a:r>
-            <a:r>
-              <a:rPr kumimoji="0" lang="en-GB" sz="700" b="0" i="0" u="none" strike="noStrike" kern="1200" cap="none" spc="0" normalizeH="0" baseline="0" noProof="0" dirty="0">
-                <a:ln>
-                  <a:noFill/>
-                </a:ln>
-                <a:solidFill>
-                  <a:prstClr val="white">
-                    <a:lumMod val="65000"/>
-                  </a:prstClr>
-                </a:solidFill>
-                <a:effectLst/>
-                <a:uLnTx/>
-                <a:uFillTx/>
-                <a:latin typeface="Calibri" panose="020F0502020204030204"/>
-                <a:ea typeface="+mn-ea"/>
-                <a:cs typeface="+mn-cs"/>
-              </a:rPr>
-              <a:t>varchar</a:t>
-            </a:r>
-          </a:p>
-          <a:p>
-            <a:pPr marL="0" marR="0" lvl="0" indent="0" algn="l" defTabSz="914400" rtl="0" eaLnBrk="1" fontAlgn="auto" latinLnBrk="0" hangingPunct="1">
-              <a:lnSpc>
-                <a:spcPct val="100000"/>
-              </a:lnSpc>
-              <a:spcBef>
-                <a:spcPts val="0"/>
-              </a:spcBef>
-              <a:spcAft>
-                <a:spcPts val="0"/>
-              </a:spcAft>
-              <a:buClrTx/>
-              <a:buSzTx/>
-              <a:buFontTx/>
-              <a:buNone/>
-              <a:tabLst/>
-              <a:defRPr/>
-            </a:pPr>
-            <a:r>
-              <a:rPr kumimoji="0" lang="en-GB" sz="1200" b="0" i="0" u="none" strike="noStrike" kern="1200" cap="none" spc="0" normalizeH="0" baseline="0" noProof="0" dirty="0">
-                <a:ln>
-                  <a:noFill/>
-                </a:ln>
-                <a:solidFill>
-                  <a:srgbClr val="FFC000"/>
-                </a:solidFill>
-                <a:effectLst/>
-                <a:uLnTx/>
-                <a:uFillTx/>
-                <a:latin typeface="Calibri" panose="020F0502020204030204"/>
-                <a:ea typeface="+mn-ea"/>
-                <a:cs typeface="+mn-cs"/>
-              </a:rPr>
-              <a:t>TRIGGER_ID </a:t>
-            </a:r>
-            <a:r>
-              <a:rPr kumimoji="0" lang="en-GB" sz="700" b="0" i="0" u="none" strike="noStrike" kern="1200" cap="none" spc="0" normalizeH="0" baseline="0" noProof="0" dirty="0" err="1">
-                <a:ln>
-                  <a:noFill/>
-                </a:ln>
-                <a:solidFill>
-                  <a:prstClr val="white">
-                    <a:lumMod val="65000"/>
-                  </a:prstClr>
-                </a:solidFill>
-                <a:effectLst/>
-                <a:uLnTx/>
-                <a:uFillTx/>
-                <a:latin typeface="Calibri" panose="020F0502020204030204"/>
-                <a:ea typeface="+mn-ea"/>
-                <a:cs typeface="+mn-cs"/>
-              </a:rPr>
-              <a:t>bigint</a:t>
-            </a:r>
-            <a:endParaRPr kumimoji="0" lang="en-GB" sz="1200" b="0" i="0" u="none" strike="noStrike" kern="1200" cap="none" spc="0" normalizeH="0" baseline="0" noProof="0" dirty="0">
-              <a:ln>
-                <a:noFill/>
-              </a:ln>
-              <a:solidFill>
-                <a:srgbClr val="263238"/>
-              </a:solidFill>
-              <a:effectLst/>
-              <a:uLnTx/>
-              <a:uFillTx/>
-              <a:latin typeface="Calibri" panose="020F0502020204030204"/>
-              <a:ea typeface="+mn-ea"/>
-              <a:cs typeface="+mn-cs"/>
-            </a:endParaRPr>
-          </a:p>
-        </p:txBody>
-      </p:sp>
-      <p:sp>
-        <p:nvSpPr>
-          <p:cNvPr id="21" name="Rechteck 20">
-            <a:extLst>
-              <a:ext uri="{FF2B5EF4-FFF2-40B4-BE49-F238E27FC236}">
-                <a16:creationId xmlns:a16="http://schemas.microsoft.com/office/drawing/2014/main" id="{A3E58DCC-9D01-4CF5-847A-2454C90F771B}"/>
-              </a:ext>
-            </a:extLst>
-          </p:cNvPr>
-          <p:cNvSpPr/>
-          <p:nvPr/>
-        </p:nvSpPr>
-        <p:spPr>
-          <a:xfrm>
-            <a:off x="3087660" y="1231685"/>
-            <a:ext cx="2051139" cy="1000633"/>
-          </a:xfrm>
-          <a:prstGeom prst="rect">
-            <a:avLst/>
-          </a:prstGeom>
-          <a:solidFill>
-            <a:schemeClr val="bg1"/>
-          </a:solidFill>
-          <a:ln>
-            <a:solidFill>
-              <a:schemeClr val="tx1">
-                <a:lumMod val="75000"/>
-                <a:lumOff val="25000"/>
-              </a:schemeClr>
-            </a:solidFill>
-          </a:ln>
-          <a:effectLst>
-            <a:outerShdw blurRad="50800" dist="38100" dir="2700000" algn="tl" rotWithShape="0">
-              <a:prstClr val="black">
-                <a:alpha val="40000"/>
-              </a:prstClr>
-            </a:outerShdw>
-          </a:effectLst>
-        </p:spPr>
-        <p:style>
-          <a:lnRef idx="2">
-            <a:schemeClr val="accent1">
-              <a:shade val="50000"/>
-            </a:schemeClr>
-          </a:lnRef>
-          <a:fillRef idx="1">
-            <a:schemeClr val="accent1"/>
-          </a:fillRef>
-          <a:effectRef idx="0">
-            <a:schemeClr val="accent1"/>
-          </a:effectRef>
-          <a:fontRef idx="minor">
-            <a:schemeClr val="lt1"/>
-          </a:fontRef>
-        </p:style>
-        <p:txBody>
-          <a:bodyPr rtlCol="0" anchor="ctr"/>
-          <a:lstStyle/>
-          <a:p>
-            <a:pPr algn="ctr"/>
-            <a:r>
-              <a:rPr lang="en-GB" sz="1600" b="1" dirty="0">
-                <a:solidFill>
-                  <a:srgbClr val="FF7961"/>
-                </a:solidFill>
-              </a:rPr>
-              <a:t>USER2EVENT</a:t>
-            </a:r>
-          </a:p>
-          <a:p>
-            <a:pPr marL="0" marR="0" lvl="0" indent="0" algn="l" defTabSz="914400" rtl="0" eaLnBrk="1" fontAlgn="auto" latinLnBrk="0" hangingPunct="1">
-              <a:lnSpc>
-                <a:spcPct val="100000"/>
-              </a:lnSpc>
-              <a:spcBef>
-                <a:spcPts val="0"/>
-              </a:spcBef>
-              <a:spcAft>
-                <a:spcPts val="0"/>
-              </a:spcAft>
-              <a:buClrTx/>
-              <a:buSzTx/>
-              <a:buFontTx/>
-              <a:buNone/>
-              <a:tabLst/>
-              <a:defRPr/>
-            </a:pPr>
-            <a:br>
-              <a:rPr lang="en-GB" sz="600" dirty="0">
-                <a:solidFill>
-                  <a:srgbClr val="FF7961"/>
-                </a:solidFill>
-              </a:rPr>
-            </a:br>
-            <a:r>
-              <a:rPr lang="en-GB" sz="1200" dirty="0">
-                <a:solidFill>
-                  <a:srgbClr val="00B0F0"/>
-                </a:solidFill>
-                <a:latin typeface="Calibri" panose="020F0502020204030204"/>
-              </a:rPr>
-              <a:t>USER_ID</a:t>
-            </a:r>
-            <a:r>
-              <a:rPr kumimoji="0" lang="en-GB" sz="1200" b="0" i="0" u="none" strike="noStrike" kern="1200" cap="none" spc="0" normalizeH="0" baseline="0" noProof="0" dirty="0">
-                <a:ln>
-                  <a:noFill/>
-                </a:ln>
-                <a:solidFill>
-                  <a:srgbClr val="263238"/>
-                </a:solidFill>
-                <a:effectLst/>
-                <a:uLnTx/>
-                <a:uFillTx/>
-                <a:latin typeface="Calibri" panose="020F0502020204030204"/>
-                <a:ea typeface="+mn-ea"/>
-                <a:cs typeface="+mn-cs"/>
-              </a:rPr>
-              <a:t> </a:t>
-            </a:r>
-            <a:r>
-              <a:rPr kumimoji="0" lang="en-GB" sz="700" b="0" i="0" u="none" strike="noStrike" kern="1200" cap="none" spc="0" normalizeH="0" baseline="0" noProof="0" dirty="0" err="1">
-                <a:ln>
-                  <a:noFill/>
-                </a:ln>
-                <a:solidFill>
-                  <a:prstClr val="white">
-                    <a:lumMod val="65000"/>
-                  </a:prstClr>
-                </a:solidFill>
-                <a:effectLst/>
-                <a:uLnTx/>
-                <a:uFillTx/>
-                <a:latin typeface="Calibri" panose="020F0502020204030204"/>
-                <a:ea typeface="+mn-ea"/>
-                <a:cs typeface="+mn-cs"/>
-              </a:rPr>
-              <a:t>bigint</a:t>
-            </a:r>
-            <a:endParaRPr kumimoji="0" lang="en-GB" sz="700" b="0" i="0" u="none" strike="noStrike" kern="1200" cap="none" spc="0" normalizeH="0" baseline="0" noProof="0" dirty="0">
-              <a:ln>
-                <a:noFill/>
-              </a:ln>
-              <a:solidFill>
-                <a:prstClr val="white">
-                  <a:lumMod val="65000"/>
-                </a:prstClr>
-              </a:solidFill>
-              <a:effectLst/>
-              <a:uLnTx/>
-              <a:uFillTx/>
-              <a:latin typeface="Calibri" panose="020F0502020204030204"/>
-              <a:ea typeface="+mn-ea"/>
-              <a:cs typeface="+mn-cs"/>
-            </a:endParaRPr>
-          </a:p>
-          <a:p>
-            <a:pPr marL="0" marR="0" lvl="0" indent="0" algn="l" defTabSz="914400" rtl="0" eaLnBrk="1" fontAlgn="auto" latinLnBrk="0" hangingPunct="1">
-              <a:lnSpc>
-                <a:spcPct val="100000"/>
-              </a:lnSpc>
-              <a:spcBef>
-                <a:spcPts val="0"/>
-              </a:spcBef>
-              <a:spcAft>
-                <a:spcPts val="0"/>
-              </a:spcAft>
-              <a:buClrTx/>
-              <a:buSzTx/>
-              <a:buFontTx/>
-              <a:buNone/>
-              <a:tabLst/>
-              <a:defRPr/>
-            </a:pPr>
-            <a:r>
-              <a:rPr lang="en-GB" sz="1200" dirty="0">
-                <a:solidFill>
-                  <a:srgbClr val="00B0F0"/>
-                </a:solidFill>
-                <a:latin typeface="Calibri" panose="020F0502020204030204"/>
-              </a:rPr>
-              <a:t>EVENT_ID</a:t>
-            </a:r>
-            <a:r>
-              <a:rPr kumimoji="0" lang="en-GB" sz="1200" b="0" i="0" u="none" strike="noStrike" kern="1200" cap="none" spc="0" normalizeH="0" baseline="0" noProof="0" dirty="0">
-                <a:ln>
-                  <a:noFill/>
-                </a:ln>
-                <a:solidFill>
-                  <a:srgbClr val="263238"/>
-                </a:solidFill>
-                <a:effectLst/>
-                <a:uLnTx/>
-                <a:uFillTx/>
-                <a:latin typeface="Calibri" panose="020F0502020204030204"/>
-                <a:ea typeface="+mn-ea"/>
-                <a:cs typeface="+mn-cs"/>
-              </a:rPr>
-              <a:t> </a:t>
-            </a:r>
-            <a:r>
-              <a:rPr kumimoji="0" lang="en-GB" sz="700" b="0" i="0" u="none" strike="noStrike" kern="1200" cap="none" spc="0" normalizeH="0" baseline="0" noProof="0" dirty="0" err="1">
-                <a:ln>
-                  <a:noFill/>
-                </a:ln>
-                <a:solidFill>
-                  <a:prstClr val="white">
-                    <a:lumMod val="65000"/>
-                  </a:prstClr>
-                </a:solidFill>
-                <a:effectLst/>
-                <a:uLnTx/>
-                <a:uFillTx/>
-                <a:latin typeface="Calibri" panose="020F0502020204030204"/>
-                <a:ea typeface="+mn-ea"/>
-                <a:cs typeface="+mn-cs"/>
-              </a:rPr>
-              <a:t>bigint</a:t>
-            </a:r>
-            <a:endParaRPr kumimoji="0" lang="en-GB" sz="1200" b="0" i="0" u="none" strike="noStrike" kern="1200" cap="none" spc="0" normalizeH="0" baseline="0" noProof="0" dirty="0">
-              <a:ln>
-                <a:noFill/>
-              </a:ln>
-              <a:solidFill>
-                <a:srgbClr val="263238"/>
-              </a:solidFill>
-              <a:effectLst/>
-              <a:uLnTx/>
-              <a:uFillTx/>
-              <a:latin typeface="Calibri" panose="020F0502020204030204"/>
-              <a:ea typeface="+mn-ea"/>
-              <a:cs typeface="+mn-cs"/>
-            </a:endParaRPr>
-          </a:p>
-        </p:txBody>
-      </p:sp>
-      <p:sp>
-        <p:nvSpPr>
-          <p:cNvPr id="22" name="Rechteck 21">
-            <a:extLst>
-              <a:ext uri="{FF2B5EF4-FFF2-40B4-BE49-F238E27FC236}">
-                <a16:creationId xmlns:a16="http://schemas.microsoft.com/office/drawing/2014/main" id="{7F79A53B-D271-44BA-BE20-576420E23453}"/>
-              </a:ext>
-            </a:extLst>
-          </p:cNvPr>
-          <p:cNvSpPr/>
-          <p:nvPr/>
-        </p:nvSpPr>
-        <p:spPr>
-          <a:xfrm>
-            <a:off x="3087661" y="4339454"/>
+            <a:off x="6843742" y="3456985"/>
             <a:ext cx="2051139" cy="1305660"/>
           </a:xfrm>
           <a:prstGeom prst="rect">
@@ -22305,8 +20871,8 @@
         </p:nvCxnSpPr>
         <p:spPr>
           <a:xfrm>
-            <a:off x="4113231" y="4057257"/>
-            <a:ext cx="0" cy="282197"/>
+            <a:off x="7869312" y="2430401"/>
+            <a:ext cx="0" cy="1026584"/>
           </a:xfrm>
           <a:prstGeom prst="line">
             <a:avLst/>
@@ -22341,7 +20907,7 @@
         </p:nvSpPr>
         <p:spPr>
           <a:xfrm>
-            <a:off x="4070331" y="4057257"/>
+            <a:off x="9016704" y="6257184"/>
             <a:ext cx="234970" cy="307777"/>
           </a:xfrm>
           <a:prstGeom prst="rect">
@@ -22415,6 +20981,285 @@
           </a:p>
         </p:txBody>
       </p:sp>
+      <p:sp>
+        <p:nvSpPr>
+          <p:cNvPr id="24" name="Textfeld 23">
+            <a:extLst>
+              <a:ext uri="{FF2B5EF4-FFF2-40B4-BE49-F238E27FC236}">
+                <a16:creationId xmlns:a16="http://schemas.microsoft.com/office/drawing/2014/main" id="{8C11D449-DC62-49A5-A80D-23A1EAA67368}"/>
+              </a:ext>
+            </a:extLst>
+          </p:cNvPr>
+          <p:cNvSpPr txBox="1"/>
+          <p:nvPr/>
+        </p:nvSpPr>
+        <p:spPr>
+          <a:xfrm>
+            <a:off x="5858993" y="-74417"/>
+            <a:ext cx="6100174" cy="369332"/>
+          </a:xfrm>
+          <a:prstGeom prst="rect">
+            <a:avLst/>
+          </a:prstGeom>
+          <a:noFill/>
+        </p:spPr>
+        <p:txBody>
+          <a:bodyPr wrap="square">
+            <a:spAutoFit/>
+          </a:bodyPr>
+          <a:lstStyle/>
+          <a:p>
+            <a:r>
+              <a:rPr lang="de-DE" dirty="0"/>
+              <a:t>https://www.baeldung.com/jpa-many-to-many</a:t>
+            </a:r>
+          </a:p>
+        </p:txBody>
+      </p:sp>
+      <p:cxnSp>
+        <p:nvCxnSpPr>
+          <p:cNvPr id="29" name="Gerader Verbinder 28">
+            <a:extLst>
+              <a:ext uri="{FF2B5EF4-FFF2-40B4-BE49-F238E27FC236}">
+                <a16:creationId xmlns:a16="http://schemas.microsoft.com/office/drawing/2014/main" id="{9053255D-E2CC-4C05-BE82-976F7BBDCA4B}"/>
+              </a:ext>
+            </a:extLst>
+          </p:cNvPr>
+          <p:cNvCxnSpPr>
+            <a:cxnSpLocks/>
+            <a:stCxn id="8" idx="3"/>
+            <a:endCxn id="4" idx="1"/>
+          </p:cNvCxnSpPr>
+          <p:nvPr/>
+        </p:nvCxnSpPr>
+        <p:spPr>
+          <a:xfrm>
+            <a:off x="3233445" y="3396075"/>
+            <a:ext cx="811416" cy="0"/>
+          </a:xfrm>
+          <a:prstGeom prst="line">
+            <a:avLst/>
+          </a:prstGeom>
+        </p:spPr>
+        <p:style>
+          <a:lnRef idx="1">
+            <a:schemeClr val="accent1"/>
+          </a:lnRef>
+          <a:fillRef idx="0">
+            <a:schemeClr val="accent1"/>
+          </a:fillRef>
+          <a:effectRef idx="0">
+            <a:schemeClr val="accent1"/>
+          </a:effectRef>
+          <a:fontRef idx="minor">
+            <a:schemeClr val="tx1"/>
+          </a:fontRef>
+        </p:style>
+      </p:cxnSp>
+      <p:cxnSp>
+        <p:nvCxnSpPr>
+          <p:cNvPr id="35" name="Gerader Verbinder 34">
+            <a:extLst>
+              <a:ext uri="{FF2B5EF4-FFF2-40B4-BE49-F238E27FC236}">
+                <a16:creationId xmlns:a16="http://schemas.microsoft.com/office/drawing/2014/main" id="{3CD9F552-0AFA-40B0-9381-80F0DD888E05}"/>
+              </a:ext>
+            </a:extLst>
+          </p:cNvPr>
+          <p:cNvCxnSpPr>
+            <a:stCxn id="4" idx="2"/>
+            <a:endCxn id="5" idx="0"/>
+          </p:cNvCxnSpPr>
+          <p:nvPr/>
+        </p:nvCxnSpPr>
+        <p:spPr>
+          <a:xfrm>
+            <a:off x="5070431" y="4372422"/>
+            <a:ext cx="0" cy="491352"/>
+          </a:xfrm>
+          <a:prstGeom prst="line">
+            <a:avLst/>
+          </a:prstGeom>
+        </p:spPr>
+        <p:style>
+          <a:lnRef idx="1">
+            <a:schemeClr val="accent1"/>
+          </a:lnRef>
+          <a:fillRef idx="0">
+            <a:schemeClr val="accent1"/>
+          </a:fillRef>
+          <a:effectRef idx="0">
+            <a:schemeClr val="accent1"/>
+          </a:effectRef>
+          <a:fontRef idx="minor">
+            <a:schemeClr val="tx1"/>
+          </a:fontRef>
+        </p:style>
+      </p:cxnSp>
+      <p:cxnSp>
+        <p:nvCxnSpPr>
+          <p:cNvPr id="38" name="Gerader Verbinder 37">
+            <a:extLst>
+              <a:ext uri="{FF2B5EF4-FFF2-40B4-BE49-F238E27FC236}">
+                <a16:creationId xmlns:a16="http://schemas.microsoft.com/office/drawing/2014/main" id="{DB2E1F2D-25CB-4CE8-87C0-5A0290722D72}"/>
+              </a:ext>
+            </a:extLst>
+          </p:cNvPr>
+          <p:cNvCxnSpPr>
+            <a:stCxn id="15" idx="3"/>
+            <a:endCxn id="12" idx="1"/>
+          </p:cNvCxnSpPr>
+          <p:nvPr/>
+        </p:nvCxnSpPr>
+        <p:spPr>
+          <a:xfrm>
+            <a:off x="8894881" y="1563219"/>
+            <a:ext cx="747742" cy="1122647"/>
+          </a:xfrm>
+          <a:prstGeom prst="line">
+            <a:avLst/>
+          </a:prstGeom>
+        </p:spPr>
+        <p:style>
+          <a:lnRef idx="1">
+            <a:schemeClr val="accent1"/>
+          </a:lnRef>
+          <a:fillRef idx="0">
+            <a:schemeClr val="accent1"/>
+          </a:fillRef>
+          <a:effectRef idx="0">
+            <a:schemeClr val="accent1"/>
+          </a:effectRef>
+          <a:fontRef idx="minor">
+            <a:schemeClr val="tx1"/>
+          </a:fontRef>
+        </p:style>
+      </p:cxnSp>
+      <p:cxnSp>
+        <p:nvCxnSpPr>
+          <p:cNvPr id="40" name="Gerader Verbinder 39">
+            <a:extLst>
+              <a:ext uri="{FF2B5EF4-FFF2-40B4-BE49-F238E27FC236}">
+                <a16:creationId xmlns:a16="http://schemas.microsoft.com/office/drawing/2014/main" id="{AA564076-B4BC-4D7F-AEE1-2C82A3272543}"/>
+              </a:ext>
+            </a:extLst>
+          </p:cNvPr>
+          <p:cNvCxnSpPr>
+            <a:stCxn id="20" idx="3"/>
+            <a:endCxn id="15" idx="1"/>
+          </p:cNvCxnSpPr>
+          <p:nvPr/>
+        </p:nvCxnSpPr>
+        <p:spPr>
+          <a:xfrm>
+            <a:off x="6096000" y="1305758"/>
+            <a:ext cx="747742" cy="257461"/>
+          </a:xfrm>
+          <a:prstGeom prst="line">
+            <a:avLst/>
+          </a:prstGeom>
+        </p:spPr>
+        <p:style>
+          <a:lnRef idx="1">
+            <a:schemeClr val="accent1"/>
+          </a:lnRef>
+          <a:fillRef idx="0">
+            <a:schemeClr val="accent1"/>
+          </a:fillRef>
+          <a:effectRef idx="0">
+            <a:schemeClr val="accent1"/>
+          </a:effectRef>
+          <a:fontRef idx="minor">
+            <a:schemeClr val="tx1"/>
+          </a:fontRef>
+        </p:style>
+      </p:cxnSp>
+      <p:sp>
+        <p:nvSpPr>
+          <p:cNvPr id="42" name="Textfeld 41">
+            <a:extLst>
+              <a:ext uri="{FF2B5EF4-FFF2-40B4-BE49-F238E27FC236}">
+                <a16:creationId xmlns:a16="http://schemas.microsoft.com/office/drawing/2014/main" id="{9E43F2FE-2169-4FDA-B9C9-DCACA87E77AC}"/>
+              </a:ext>
+            </a:extLst>
+          </p:cNvPr>
+          <p:cNvSpPr txBox="1"/>
+          <p:nvPr/>
+        </p:nvSpPr>
+        <p:spPr>
+          <a:xfrm>
+            <a:off x="3247788" y="2869135"/>
+            <a:ext cx="792205" cy="200055"/>
+          </a:xfrm>
+          <a:prstGeom prst="rect">
+            <a:avLst/>
+          </a:prstGeom>
+          <a:noFill/>
+        </p:spPr>
+        <p:txBody>
+          <a:bodyPr wrap="none" rtlCol="0">
+            <a:spAutoFit/>
+          </a:bodyPr>
+          <a:lstStyle/>
+          <a:p>
+            <a:r>
+              <a:rPr lang="de-DE" sz="700" dirty="0"/>
+              <a:t>User </a:t>
+            </a:r>
+            <a:r>
+              <a:rPr lang="de-DE" sz="700" dirty="0" err="1"/>
+              <a:t>has</a:t>
+            </a:r>
+            <a:r>
+              <a:rPr lang="de-DE" sz="700" dirty="0"/>
+              <a:t> </a:t>
+            </a:r>
+            <a:r>
+              <a:rPr lang="de-DE" sz="700" dirty="0" err="1"/>
+              <a:t>devices</a:t>
+            </a:r>
+            <a:endParaRPr lang="de-DE" sz="700" dirty="0"/>
+          </a:p>
+        </p:txBody>
+      </p:sp>
+      <p:cxnSp>
+        <p:nvCxnSpPr>
+          <p:cNvPr id="46" name="Gerader Verbinder 45">
+            <a:extLst>
+              <a:ext uri="{FF2B5EF4-FFF2-40B4-BE49-F238E27FC236}">
+                <a16:creationId xmlns:a16="http://schemas.microsoft.com/office/drawing/2014/main" id="{C68F8C1A-3625-4ABD-958B-B2E6114A57C5}"/>
+              </a:ext>
+            </a:extLst>
+          </p:cNvPr>
+          <p:cNvCxnSpPr>
+            <a:stCxn id="4" idx="0"/>
+            <a:endCxn id="20" idx="2"/>
+          </p:cNvCxnSpPr>
+          <p:nvPr/>
+        </p:nvCxnSpPr>
+        <p:spPr>
+          <a:xfrm flipV="1">
+            <a:off x="5070431" y="1915478"/>
+            <a:ext cx="0" cy="504249"/>
+          </a:xfrm>
+          <a:prstGeom prst="line">
+            <a:avLst/>
+          </a:prstGeom>
+        </p:spPr>
+        <p:style>
+          <a:lnRef idx="1">
+            <a:schemeClr val="accent1"/>
+          </a:lnRef>
+          <a:fillRef idx="0">
+            <a:schemeClr val="accent1"/>
+          </a:fillRef>
+          <a:effectRef idx="0">
+            <a:schemeClr val="accent1"/>
+          </a:effectRef>
+          <a:fontRef idx="minor">
+            <a:schemeClr val="tx1"/>
+          </a:fontRef>
+        </p:style>
+      </p:cxnSp>
     </p:spTree>
     <p:extLst>
       <p:ext uri="{BB962C8B-B14F-4D97-AF65-F5344CB8AC3E}">
@@ -22445,6 +21290,449 @@
           <a:chExt cx="0" cy="0"/>
         </a:xfrm>
       </p:grpSpPr>
+      <p:pic>
+        <p:nvPicPr>
+          <p:cNvPr id="5" name="Grafik 4">
+            <a:extLst>
+              <a:ext uri="{FF2B5EF4-FFF2-40B4-BE49-F238E27FC236}">
+                <a16:creationId xmlns:a16="http://schemas.microsoft.com/office/drawing/2014/main" id="{A75FCDED-C228-442B-B2A6-0CF71F135517}"/>
+              </a:ext>
+            </a:extLst>
+          </p:cNvPr>
+          <p:cNvPicPr>
+            <a:picLocks noChangeAspect="1"/>
+          </p:cNvPicPr>
+          <p:nvPr/>
+        </p:nvPicPr>
+        <p:blipFill>
+          <a:blip r:embed="rId2"/>
+          <a:stretch>
+            <a:fillRect/>
+          </a:stretch>
+        </p:blipFill>
+        <p:spPr>
+          <a:xfrm>
+            <a:off x="941730" y="2890999"/>
+            <a:ext cx="3820058" cy="3305636"/>
+          </a:xfrm>
+          <a:prstGeom prst="rect">
+            <a:avLst/>
+          </a:prstGeom>
+        </p:spPr>
+      </p:pic>
+      <p:sp>
+        <p:nvSpPr>
+          <p:cNvPr id="6" name="Rechteck 5">
+            <a:extLst>
+              <a:ext uri="{FF2B5EF4-FFF2-40B4-BE49-F238E27FC236}">
+                <a16:creationId xmlns:a16="http://schemas.microsoft.com/office/drawing/2014/main" id="{3E17AF6B-9418-41DC-9862-D2AFCB5CE0AD}"/>
+              </a:ext>
+            </a:extLst>
+          </p:cNvPr>
+          <p:cNvSpPr/>
+          <p:nvPr/>
+        </p:nvSpPr>
+        <p:spPr>
+          <a:xfrm>
+            <a:off x="5849655" y="4835047"/>
+            <a:ext cx="3607496" cy="1189972"/>
+          </a:xfrm>
+          <a:prstGeom prst="rect">
+            <a:avLst/>
+          </a:prstGeom>
+          <a:ln>
+            <a:solidFill>
+              <a:schemeClr val="tx1"/>
+            </a:solidFill>
+          </a:ln>
+        </p:spPr>
+        <p:style>
+          <a:lnRef idx="2">
+            <a:schemeClr val="accent1">
+              <a:shade val="50000"/>
+            </a:schemeClr>
+          </a:lnRef>
+          <a:fillRef idx="1">
+            <a:schemeClr val="accent1"/>
+          </a:fillRef>
+          <a:effectRef idx="0">
+            <a:schemeClr val="accent1"/>
+          </a:effectRef>
+          <a:fontRef idx="minor">
+            <a:schemeClr val="lt1"/>
+          </a:fontRef>
+        </p:style>
+        <p:txBody>
+          <a:bodyPr rtlCol="0" anchor="ctr"/>
+          <a:lstStyle/>
+          <a:p>
+            <a:pPr algn="ctr"/>
+            <a:endParaRPr lang="de-DE"/>
+          </a:p>
+        </p:txBody>
+      </p:sp>
+      <p:sp>
+        <p:nvSpPr>
+          <p:cNvPr id="7" name="Rechteck 6">
+            <a:extLst>
+              <a:ext uri="{FF2B5EF4-FFF2-40B4-BE49-F238E27FC236}">
+                <a16:creationId xmlns:a16="http://schemas.microsoft.com/office/drawing/2014/main" id="{E9DA8290-FEDC-4546-B08F-45D1104E9668}"/>
+              </a:ext>
+            </a:extLst>
+          </p:cNvPr>
+          <p:cNvSpPr/>
+          <p:nvPr/>
+        </p:nvSpPr>
+        <p:spPr>
+          <a:xfrm>
+            <a:off x="6096000" y="5135671"/>
+            <a:ext cx="680581" cy="538619"/>
+          </a:xfrm>
+          <a:prstGeom prst="rect">
+            <a:avLst/>
+          </a:prstGeom>
+          <a:ln>
+            <a:solidFill>
+              <a:schemeClr val="tx1"/>
+            </a:solidFill>
+          </a:ln>
+        </p:spPr>
+        <p:style>
+          <a:lnRef idx="2">
+            <a:schemeClr val="accent1">
+              <a:shade val="50000"/>
+            </a:schemeClr>
+          </a:lnRef>
+          <a:fillRef idx="1">
+            <a:schemeClr val="accent1"/>
+          </a:fillRef>
+          <a:effectRef idx="0">
+            <a:schemeClr val="accent1"/>
+          </a:effectRef>
+          <a:fontRef idx="minor">
+            <a:schemeClr val="lt1"/>
+          </a:fontRef>
+        </p:style>
+        <p:txBody>
+          <a:bodyPr rtlCol="0" anchor="ctr"/>
+          <a:lstStyle/>
+          <a:p>
+            <a:pPr algn="ctr"/>
+            <a:r>
+              <a:rPr lang="de-DE" dirty="0" err="1"/>
+              <a:t>icon</a:t>
+            </a:r>
+            <a:endParaRPr lang="de-DE" dirty="0"/>
+          </a:p>
+        </p:txBody>
+      </p:sp>
+      <p:sp>
+        <p:nvSpPr>
+          <p:cNvPr id="8" name="Textfeld 7">
+            <a:extLst>
+              <a:ext uri="{FF2B5EF4-FFF2-40B4-BE49-F238E27FC236}">
+                <a16:creationId xmlns:a16="http://schemas.microsoft.com/office/drawing/2014/main" id="{1B901626-94C5-4FEA-9E8F-063EE93B0113}"/>
+              </a:ext>
+            </a:extLst>
+          </p:cNvPr>
+          <p:cNvSpPr txBox="1"/>
+          <p:nvPr/>
+        </p:nvSpPr>
+        <p:spPr>
+          <a:xfrm>
+            <a:off x="7058368" y="4872625"/>
+            <a:ext cx="654346" cy="400110"/>
+          </a:xfrm>
+          <a:prstGeom prst="rect">
+            <a:avLst/>
+          </a:prstGeom>
+          <a:noFill/>
+        </p:spPr>
+        <p:txBody>
+          <a:bodyPr wrap="none" rtlCol="0">
+            <a:spAutoFit/>
+          </a:bodyPr>
+          <a:lstStyle/>
+          <a:p>
+            <a:r>
+              <a:rPr lang="de-DE" sz="2000" b="1" dirty="0">
+                <a:solidFill>
+                  <a:schemeClr val="bg1"/>
+                </a:solidFill>
+              </a:rPr>
+              <a:t>Title</a:t>
+            </a:r>
+            <a:endParaRPr lang="de-DE" b="1" dirty="0">
+              <a:solidFill>
+                <a:schemeClr val="bg1"/>
+              </a:solidFill>
+            </a:endParaRPr>
+          </a:p>
+        </p:txBody>
+      </p:sp>
+      <p:sp>
+        <p:nvSpPr>
+          <p:cNvPr id="10" name="Textfeld 9">
+            <a:extLst>
+              <a:ext uri="{FF2B5EF4-FFF2-40B4-BE49-F238E27FC236}">
+                <a16:creationId xmlns:a16="http://schemas.microsoft.com/office/drawing/2014/main" id="{4835739D-F48D-4920-BD3D-60AD6B4E870E}"/>
+              </a:ext>
+            </a:extLst>
+          </p:cNvPr>
+          <p:cNvSpPr txBox="1"/>
+          <p:nvPr/>
+        </p:nvSpPr>
+        <p:spPr>
+          <a:xfrm>
+            <a:off x="7058368" y="5310313"/>
+            <a:ext cx="657552" cy="369332"/>
+          </a:xfrm>
+          <a:prstGeom prst="rect">
+            <a:avLst/>
+          </a:prstGeom>
+          <a:noFill/>
+        </p:spPr>
+        <p:txBody>
+          <a:bodyPr wrap="none" rtlCol="0">
+            <a:spAutoFit/>
+          </a:bodyPr>
+          <a:lstStyle/>
+          <a:p>
+            <a:r>
+              <a:rPr lang="de-DE" dirty="0">
+                <a:solidFill>
+                  <a:schemeClr val="bg1"/>
+                </a:solidFill>
+              </a:rPr>
+              <a:t>Body</a:t>
+            </a:r>
+          </a:p>
+        </p:txBody>
+      </p:sp>
+      <p:sp>
+        <p:nvSpPr>
+          <p:cNvPr id="11" name="Rechteck 10">
+            <a:extLst>
+              <a:ext uri="{FF2B5EF4-FFF2-40B4-BE49-F238E27FC236}">
+                <a16:creationId xmlns:a16="http://schemas.microsoft.com/office/drawing/2014/main" id="{28D6D658-9D8F-48CC-8A9F-113939991E02}"/>
+              </a:ext>
+            </a:extLst>
+          </p:cNvPr>
+          <p:cNvSpPr/>
+          <p:nvPr/>
+        </p:nvSpPr>
+        <p:spPr>
+          <a:xfrm>
+            <a:off x="5849655" y="3720230"/>
+            <a:ext cx="3607496" cy="1114817"/>
+          </a:xfrm>
+          <a:prstGeom prst="rect">
+            <a:avLst/>
+          </a:prstGeom>
+          <a:solidFill>
+            <a:schemeClr val="bg1">
+              <a:lumMod val="75000"/>
+            </a:schemeClr>
+          </a:solidFill>
+        </p:spPr>
+        <p:style>
+          <a:lnRef idx="2">
+            <a:schemeClr val="accent1">
+              <a:shade val="50000"/>
+            </a:schemeClr>
+          </a:lnRef>
+          <a:fillRef idx="1">
+            <a:schemeClr val="accent1"/>
+          </a:fillRef>
+          <a:effectRef idx="0">
+            <a:schemeClr val="accent1"/>
+          </a:effectRef>
+          <a:fontRef idx="minor">
+            <a:schemeClr val="lt1"/>
+          </a:fontRef>
+        </p:style>
+        <p:txBody>
+          <a:bodyPr rtlCol="0" anchor="ctr"/>
+          <a:lstStyle/>
+          <a:p>
+            <a:pPr algn="ctr"/>
+            <a:r>
+              <a:rPr lang="de-DE" dirty="0" err="1">
+                <a:solidFill>
+                  <a:schemeClr val="tx1"/>
+                </a:solidFill>
+              </a:rPr>
+              <a:t>image</a:t>
+            </a:r>
+            <a:endParaRPr lang="de-DE" dirty="0">
+              <a:solidFill>
+                <a:schemeClr val="tx1"/>
+              </a:solidFill>
+            </a:endParaRPr>
+          </a:p>
+        </p:txBody>
+      </p:sp>
+      <p:sp>
+        <p:nvSpPr>
+          <p:cNvPr id="12" name="Textfeld 11">
+            <a:extLst>
+              <a:ext uri="{FF2B5EF4-FFF2-40B4-BE49-F238E27FC236}">
+                <a16:creationId xmlns:a16="http://schemas.microsoft.com/office/drawing/2014/main" id="{EF610DC3-D4F5-49CE-B558-852963D2A43A}"/>
+              </a:ext>
+            </a:extLst>
+          </p:cNvPr>
+          <p:cNvSpPr txBox="1"/>
+          <p:nvPr/>
+        </p:nvSpPr>
+        <p:spPr>
+          <a:xfrm>
+            <a:off x="739036" y="1377863"/>
+            <a:ext cx="13553053" cy="1200329"/>
+          </a:xfrm>
+          <a:prstGeom prst="rect">
+            <a:avLst/>
+          </a:prstGeom>
+          <a:noFill/>
+        </p:spPr>
+        <p:txBody>
+          <a:bodyPr wrap="square" rtlCol="0">
+            <a:spAutoFit/>
+          </a:bodyPr>
+          <a:lstStyle/>
+          <a:p>
+            <a:r>
+              <a:rPr lang="de-DE" dirty="0" err="1"/>
+              <a:t>Direction</a:t>
+            </a:r>
+            <a:r>
+              <a:rPr lang="de-DE" dirty="0"/>
+              <a:t>: </a:t>
+            </a:r>
+            <a:r>
+              <a:rPr lang="de-DE" dirty="0" err="1"/>
+              <a:t>auto</a:t>
+            </a:r>
+            <a:r>
+              <a:rPr lang="de-DE" dirty="0"/>
+              <a:t> | </a:t>
+            </a:r>
+            <a:r>
+              <a:rPr lang="de-DE" dirty="0" err="1"/>
+              <a:t>left-to-right</a:t>
+            </a:r>
+            <a:r>
+              <a:rPr lang="de-DE" dirty="0"/>
+              <a:t> | </a:t>
+            </a:r>
+            <a:r>
+              <a:rPr lang="de-DE" dirty="0" err="1"/>
+              <a:t>right-to-left</a:t>
+            </a:r>
+            <a:endParaRPr lang="de-DE" dirty="0"/>
+          </a:p>
+          <a:p>
+            <a:r>
+              <a:rPr lang="de-DE" dirty="0" err="1"/>
+              <a:t>Renotify</a:t>
+            </a:r>
+            <a:r>
+              <a:rPr lang="de-DE" dirty="0"/>
+              <a:t>: </a:t>
+            </a:r>
+            <a:r>
+              <a:rPr lang="de-DE" dirty="0" err="1"/>
+              <a:t>false</a:t>
+            </a:r>
+            <a:r>
+              <a:rPr lang="de-DE" dirty="0"/>
+              <a:t> | </a:t>
+            </a:r>
+            <a:r>
+              <a:rPr lang="de-DE" dirty="0" err="1"/>
+              <a:t>true</a:t>
+            </a:r>
+            <a:r>
+              <a:rPr lang="de-DE" dirty="0"/>
+              <a:t> (</a:t>
+            </a:r>
+            <a:r>
+              <a:rPr lang="en-US" dirty="0"/>
+              <a:t>Specifies whether the user should be notified after a new notification replaces an old one.)</a:t>
+            </a:r>
+          </a:p>
+          <a:p>
+            <a:r>
+              <a:rPr lang="de-DE" dirty="0" err="1"/>
+              <a:t>RequireInteraction</a:t>
+            </a:r>
+            <a:r>
+              <a:rPr lang="de-DE" dirty="0"/>
+              <a:t>: </a:t>
+            </a:r>
+            <a:r>
+              <a:rPr lang="de-DE" dirty="0" err="1"/>
+              <a:t>false</a:t>
+            </a:r>
+            <a:r>
+              <a:rPr lang="de-DE" dirty="0"/>
+              <a:t> | </a:t>
+            </a:r>
+            <a:r>
+              <a:rPr lang="de-DE" dirty="0" err="1"/>
+              <a:t>true</a:t>
+            </a:r>
+            <a:r>
+              <a:rPr lang="de-DE" dirty="0"/>
+              <a:t> (</a:t>
+            </a:r>
+            <a:r>
+              <a:rPr lang="en-US" dirty="0"/>
+              <a:t>notification should remain active until the user clicks or dismisses it, rather than closing automatically)</a:t>
+            </a:r>
+          </a:p>
+          <a:p>
+            <a:r>
+              <a:rPr lang="de-DE" dirty="0"/>
+              <a:t>Silent; (</a:t>
+            </a:r>
+            <a:r>
+              <a:rPr lang="en-US" dirty="0"/>
+              <a:t>no sounds or vibrations should be issued, regardless of the device settings)</a:t>
+            </a:r>
+            <a:endParaRPr lang="de-DE" dirty="0"/>
+          </a:p>
+        </p:txBody>
+      </p:sp>
+    </p:spTree>
+    <p:extLst>
+      <p:ext uri="{BB962C8B-B14F-4D97-AF65-F5344CB8AC3E}">
+        <p14:creationId xmlns:p14="http://schemas.microsoft.com/office/powerpoint/2010/main" val="3351042527"/>
+      </p:ext>
+    </p:extLst>
+  </p:cSld>
+  <p:clrMapOvr>
+    <a:masterClrMapping/>
+  </p:clrMapOvr>
+</p:sld>
+</file>
+
+<file path=ppt/slides/slide7.xml><?xml version="1.0" encoding="utf-8"?>
+<p:sld xmlns:a="http://schemas.openxmlformats.org/drawingml/2006/main" xmlns:r="http://schemas.openxmlformats.org/officeDocument/2006/relationships" xmlns:p="http://schemas.openxmlformats.org/presentationml/2006/main">
+  <p:cSld>
+    <p:spTree>
+      <p:nvGrpSpPr>
+        <p:cNvPr id="1" name=""/>
+        <p:cNvGrpSpPr/>
+        <p:nvPr/>
+      </p:nvGrpSpPr>
+      <p:grpSpPr>
+        <a:xfrm>
+          <a:off x="0" y="0"/>
+          <a:ext cx="0" cy="0"/>
+          <a:chOff x="0" y="0"/>
+          <a:chExt cx="0" cy="0"/>
+        </a:xfrm>
+      </p:grpSpPr>
       <p:sp>
         <p:nvSpPr>
           <p:cNvPr id="2" name="Titel 1">
@@ -22596,7 +21884,7 @@
 </p:sld>
 </file>
 
-<file path=ppt/slides/slide7.xml><?xml version="1.0" encoding="utf-8"?>
+<file path=ppt/slides/slide8.xml><?xml version="1.0" encoding="utf-8"?>
 <p:sld xmlns:a="http://schemas.openxmlformats.org/drawingml/2006/main" xmlns:r="http://schemas.openxmlformats.org/officeDocument/2006/relationships" xmlns:p="http://schemas.openxmlformats.org/presentationml/2006/main">
   <p:cSld>
     <p:spTree>
